--- a/doc/Midterm.pptx
+++ b/doc/Midterm.pptx
@@ -7,7 +7,7 @@
     <p:sldMasterId id="2147483673" r:id="rId3"/>
   </p:sldMasterIdLst>
   <p:notesMasterIdLst>
-    <p:notesMasterId r:id="rId19"/>
+    <p:notesMasterId r:id="rId20"/>
   </p:notesMasterIdLst>
   <p:sldIdLst>
     <p:sldId id="256" r:id="rId4"/>
@@ -18,13 +18,14 @@
     <p:sldId id="263" r:id="rId9"/>
     <p:sldId id="268" r:id="rId10"/>
     <p:sldId id="269" r:id="rId11"/>
-    <p:sldId id="270" r:id="rId12"/>
-    <p:sldId id="258" r:id="rId13"/>
-    <p:sldId id="278" r:id="rId14"/>
-    <p:sldId id="271" r:id="rId15"/>
-    <p:sldId id="272" r:id="rId16"/>
-    <p:sldId id="273" r:id="rId17"/>
-    <p:sldId id="274" r:id="rId18"/>
+    <p:sldId id="280" r:id="rId12"/>
+    <p:sldId id="282" r:id="rId13"/>
+    <p:sldId id="270" r:id="rId14"/>
+    <p:sldId id="278" r:id="rId15"/>
+    <p:sldId id="271" r:id="rId16"/>
+    <p:sldId id="272" r:id="rId17"/>
+    <p:sldId id="273" r:id="rId18"/>
+    <p:sldId id="274" r:id="rId19"/>
   </p:sldIdLst>
   <p:sldSz cx="9144000" cy="5143500" type="screen16x9"/>
   <p:notesSz cx="6858000" cy="9144000"/>
@@ -920,7 +921,7 @@
     </p:spTree>
     <p:extLst>
       <p:ext uri="{BB962C8B-B14F-4D97-AF65-F5344CB8AC3E}">
-        <p14:creationId xmlns:p14="http://schemas.microsoft.com/office/powerpoint/2010/main" val="2419993883"/>
+        <p14:creationId xmlns:p14="http://schemas.microsoft.com/office/powerpoint/2010/main" val="2800483642"/>
       </p:ext>
     </p:extLst>
   </p:cSld>
@@ -931,6 +932,110 @@
 </file>
 
 <file path=ppt/notesSlides/notesSlide11.xml><?xml version="1.0" encoding="utf-8"?>
+<p:notes xmlns:a="http://schemas.openxmlformats.org/drawingml/2006/main" xmlns:r="http://schemas.openxmlformats.org/officeDocument/2006/relationships" xmlns:p="http://schemas.openxmlformats.org/presentationml/2006/main" showMasterSp="0" showMasterPhAnim="0">
+  <p:cSld>
+    <p:spTree>
+      <p:nvGrpSpPr>
+        <p:cNvPr id="1" name="Shape 270"/>
+        <p:cNvGrpSpPr/>
+        <p:nvPr/>
+      </p:nvGrpSpPr>
+      <p:grpSpPr>
+        <a:xfrm>
+          <a:off x="0" y="0"/>
+          <a:ext cx="0" cy="0"/>
+          <a:chOff x="0" y="0"/>
+          <a:chExt cx="0" cy="0"/>
+        </a:xfrm>
+      </p:grpSpPr>
+      <p:sp>
+        <p:nvSpPr>
+          <p:cNvPr id="271" name="Google Shape;271;g58d49663bb_2_194:notes"/>
+          <p:cNvSpPr txBox="1">
+            <a:spLocks noGrp="1"/>
+          </p:cNvSpPr>
+          <p:nvPr>
+            <p:ph type="body" idx="1"/>
+          </p:nvPr>
+        </p:nvSpPr>
+        <p:spPr>
+          <a:xfrm>
+            <a:off x="685800" y="4343400"/>
+            <a:ext cx="5486400" cy="4114800"/>
+          </a:xfrm>
+          <a:prstGeom prst="rect">
+            <a:avLst/>
+          </a:prstGeom>
+        </p:spPr>
+        <p:txBody>
+          <a:bodyPr spcFirstLastPara="1" wrap="square" lIns="91425" tIns="91425" rIns="91425" bIns="91425" anchor="t" anchorCtr="0">
+            <a:noAutofit/>
+          </a:bodyPr>
+          <a:lstStyle/>
+          <a:p>
+            <a:pPr marL="0" lvl="0" indent="0" algn="l" rtl="0">
+              <a:spcBef>
+                <a:spcPts val="0"/>
+              </a:spcBef>
+              <a:spcAft>
+                <a:spcPts val="0"/>
+              </a:spcAft>
+              <a:buNone/>
+            </a:pPr>
+            <a:endParaRPr/>
+          </a:p>
+        </p:txBody>
+      </p:sp>
+      <p:sp>
+        <p:nvSpPr>
+          <p:cNvPr id="272" name="Google Shape;272;g58d49663bb_2_194:notes"/>
+          <p:cNvSpPr>
+            <a:spLocks noGrp="1" noRot="1" noChangeAspect="1"/>
+          </p:cNvSpPr>
+          <p:nvPr>
+            <p:ph type="sldImg" idx="2"/>
+          </p:nvPr>
+        </p:nvSpPr>
+        <p:spPr>
+          <a:xfrm>
+            <a:off x="381000" y="685800"/>
+            <a:ext cx="6096000" cy="3429000"/>
+          </a:xfrm>
+          <a:custGeom>
+            <a:avLst/>
+            <a:gdLst/>
+            <a:ahLst/>
+            <a:cxnLst/>
+            <a:rect l="l" t="t" r="r" b="b"/>
+            <a:pathLst>
+              <a:path w="120000" h="120000" extrusionOk="0">
+                <a:moveTo>
+                  <a:pt x="0" y="0"/>
+                </a:moveTo>
+                <a:lnTo>
+                  <a:pt x="120000" y="0"/>
+                </a:lnTo>
+                <a:lnTo>
+                  <a:pt x="120000" y="120000"/>
+                </a:lnTo>
+                <a:lnTo>
+                  <a:pt x="0" y="120000"/>
+                </a:lnTo>
+                <a:close/>
+              </a:path>
+            </a:pathLst>
+          </a:custGeom>
+        </p:spPr>
+      </p:sp>
+    </p:spTree>
+  </p:cSld>
+  <p:clrMapOvr>
+    <a:masterClrMapping/>
+  </p:clrMapOvr>
+</p:notes>
+</file>
+
+<file path=ppt/notesSlides/notesSlide12.xml><?xml version="1.0" encoding="utf-8"?>
 <p:notes xmlns:a="http://schemas.openxmlformats.org/drawingml/2006/main" xmlns:r="http://schemas.openxmlformats.org/officeDocument/2006/relationships" xmlns:p="http://schemas.openxmlformats.org/presentationml/2006/main" showMasterSp="0" showMasterPhAnim="0">
   <p:cSld>
     <p:spTree>
@@ -981,7 +1086,7 @@
               </a:spcAft>
               <a:buNone/>
             </a:pPr>
-            <a:endParaRPr/>
+            <a:endParaRPr dirty="0"/>
           </a:p>
         </p:txBody>
       </p:sp>
@@ -1039,7 +1144,7 @@
 </p:notes>
 </file>
 
-<file path=ppt/notesSlides/notesSlide12.xml><?xml version="1.0" encoding="utf-8"?>
+<file path=ppt/notesSlides/notesSlide13.xml><?xml version="1.0" encoding="utf-8"?>
 <p:notes xmlns:a="http://schemas.openxmlformats.org/drawingml/2006/main" xmlns:r="http://schemas.openxmlformats.org/officeDocument/2006/relationships" xmlns:p="http://schemas.openxmlformats.org/presentationml/2006/main" showMasterSp="0" showMasterPhAnim="0">
   <p:cSld>
     <p:spTree>
@@ -1143,7 +1248,7 @@
 </p:notes>
 </file>
 
-<file path=ppt/notesSlides/notesSlide13.xml><?xml version="1.0" encoding="utf-8"?>
+<file path=ppt/notesSlides/notesSlide14.xml><?xml version="1.0" encoding="utf-8"?>
 <p:notes xmlns:a="http://schemas.openxmlformats.org/drawingml/2006/main" xmlns:r="http://schemas.openxmlformats.org/officeDocument/2006/relationships" xmlns:p="http://schemas.openxmlformats.org/presentationml/2006/main" showMasterSp="0" showMasterPhAnim="0">
   <p:cSld>
     <p:spTree>
@@ -1247,7 +1352,7 @@
 </p:notes>
 </file>
 
-<file path=ppt/notesSlides/notesSlide14.xml><?xml version="1.0" encoding="utf-8"?>
+<file path=ppt/notesSlides/notesSlide15.xml><?xml version="1.0" encoding="utf-8"?>
 <p:notes xmlns:a="http://schemas.openxmlformats.org/drawingml/2006/main" xmlns:r="http://schemas.openxmlformats.org/officeDocument/2006/relationships" xmlns:p="http://schemas.openxmlformats.org/presentationml/2006/main" showMasterSp="0" showMasterPhAnim="0">
   <p:cSld>
     <p:spTree>
@@ -1351,7 +1456,7 @@
 </p:notes>
 </file>
 
-<file path=ppt/notesSlides/notesSlide15.xml><?xml version="1.0" encoding="utf-8"?>
+<file path=ppt/notesSlides/notesSlide16.xml><?xml version="1.0" encoding="utf-8"?>
 <p:notes xmlns:a="http://schemas.openxmlformats.org/drawingml/2006/main" xmlns:r="http://schemas.openxmlformats.org/officeDocument/2006/relationships" xmlns:p="http://schemas.openxmlformats.org/presentationml/2006/main" showMasterSp="0" showMasterPhAnim="0">
   <p:cSld>
     <p:spTree>
@@ -1814,6 +1919,101 @@
           </a:bodyPr>
           <a:lstStyle/>
           <a:p>
+            <a:pPr marL="177800" lvl="0" indent="-171450" algn="l" rtl="0">
+              <a:lnSpc>
+                <a:spcPct val="80000"/>
+              </a:lnSpc>
+              <a:spcBef>
+                <a:spcPts val="0"/>
+              </a:spcBef>
+              <a:spcAft>
+                <a:spcPts val="0"/>
+              </a:spcAft>
+              <a:buClr>
+                <a:schemeClr val="dk1"/>
+              </a:buClr>
+              <a:buSzPts val="1500"/>
+              <a:buChar char="•"/>
+            </a:pPr>
+            <a:r>
+              <a:rPr lang="en-US" sz="1100" dirty="0"/>
+              <a:t>First tokenize and remove stop words.</a:t>
+            </a:r>
+            <a:endParaRPr lang="en-US" sz="900" dirty="0"/>
+          </a:p>
+          <a:p>
+            <a:pPr marL="177800" lvl="0" indent="-171450" algn="l" rtl="0">
+              <a:lnSpc>
+                <a:spcPct val="80000"/>
+              </a:lnSpc>
+              <a:spcBef>
+                <a:spcPts val="800"/>
+              </a:spcBef>
+              <a:spcAft>
+                <a:spcPts val="0"/>
+              </a:spcAft>
+              <a:buClr>
+                <a:schemeClr val="dk1"/>
+              </a:buClr>
+              <a:buSzPts val="1500"/>
+              <a:buChar char="•"/>
+            </a:pPr>
+            <a:r>
+              <a:rPr lang="en-US" sz="1100" dirty="0"/>
+              <a:t>The algorithm goes through every word in each sentence and adds it to a word frequencies dictionary - if it's not already there the word gets assigned a value of 1, and if it is already there that value is incremented up by 1, and then finally all of these values are divided by the quantity of the most frequently occurring word in the documents, to get normalized weights for all the words.</a:t>
+            </a:r>
+            <a:endParaRPr lang="en-US" sz="900" dirty="0"/>
+          </a:p>
+          <a:p>
+            <a:pPr marL="177800" lvl="0" indent="-171450" algn="l" rtl="0">
+              <a:lnSpc>
+                <a:spcPct val="80000"/>
+              </a:lnSpc>
+              <a:spcBef>
+                <a:spcPts val="800"/>
+              </a:spcBef>
+              <a:spcAft>
+                <a:spcPts val="0"/>
+              </a:spcAft>
+              <a:buClr>
+                <a:schemeClr val="dk1"/>
+              </a:buClr>
+              <a:buSzPts val="1500"/>
+              <a:buChar char="•"/>
+            </a:pPr>
+            <a:r>
+              <a:rPr lang="en-US" sz="1100" dirty="0"/>
+              <a:t>With these frequency values for all the words in the document, each sentence (if it has less than 30 words total, to avoid having very long sentences in the summary output) gets a score from the sum of all the weighted frequency values of the words in it, not including stop words.</a:t>
+            </a:r>
+            <a:endParaRPr lang="en-US" sz="900" dirty="0"/>
+          </a:p>
+          <a:p>
+            <a:pPr marL="177800" lvl="0" indent="-171450" algn="l" rtl="0">
+              <a:lnSpc>
+                <a:spcPct val="80000"/>
+              </a:lnSpc>
+              <a:spcBef>
+                <a:spcPts val="800"/>
+              </a:spcBef>
+              <a:spcAft>
+                <a:spcPts val="0"/>
+              </a:spcAft>
+              <a:buClr>
+                <a:schemeClr val="dk1"/>
+              </a:buClr>
+              <a:buSzPts val="1500"/>
+              <a:buChar char="•"/>
+            </a:pPr>
+            <a:r>
+              <a:rPr lang="en-US" sz="1100" dirty="0"/>
+              <a:t>The top sentences from this ranking are chosen for the extractive summarization output.</a:t>
+            </a:r>
+            <a:br>
+              <a:rPr lang="en-US" sz="1100" dirty="0"/>
+            </a:br>
+            <a:endParaRPr lang="en-US" sz="1100" dirty="0"/>
+          </a:p>
+          <a:p>
             <a:pPr marL="0" lvl="0" indent="0" algn="l" rtl="0">
               <a:spcBef>
                 <a:spcPts val="0"/>
@@ -1823,7 +2023,7 @@
               </a:spcAft>
               <a:buNone/>
             </a:pPr>
-            <a:endParaRPr/>
+            <a:endParaRPr dirty="0"/>
           </a:p>
         </p:txBody>
       </p:sp>
@@ -2193,7 +2393,7 @@
   <p:cSld>
     <p:spTree>
       <p:nvGrpSpPr>
-        <p:cNvPr id="1" name="Shape 270"/>
+        <p:cNvPr id="1" name="Shape 262"/>
         <p:cNvGrpSpPr/>
         <p:nvPr/>
       </p:nvGrpSpPr>
@@ -2207,7 +2407,7 @@
       </p:grpSpPr>
       <p:sp>
         <p:nvSpPr>
-          <p:cNvPr id="271" name="Google Shape;271;g58d49663bb_2_194:notes"/>
+          <p:cNvPr id="263" name="Google Shape;263;g56c3ab8500_2_17:notes"/>
           <p:cNvSpPr txBox="1">
             <a:spLocks noGrp="1"/>
           </p:cNvSpPr>
@@ -2245,7 +2445,7 @@
       </p:sp>
       <p:sp>
         <p:nvSpPr>
-          <p:cNvPr id="272" name="Google Shape;272;g58d49663bb_2_194:notes"/>
+          <p:cNvPr id="264" name="Google Shape;264;g56c3ab8500_2_17:notes"/>
           <p:cNvSpPr>
             <a:spLocks noGrp="1" noRot="1" noChangeAspect="1"/>
           </p:cNvSpPr>
@@ -2285,6 +2485,11 @@
         </p:spPr>
       </p:sp>
     </p:spTree>
+    <p:extLst>
+      <p:ext uri="{BB962C8B-B14F-4D97-AF65-F5344CB8AC3E}">
+        <p14:creationId xmlns:p14="http://schemas.microsoft.com/office/powerpoint/2010/main" val="2143335180"/>
+      </p:ext>
+    </p:extLst>
   </p:cSld>
   <p:clrMapOvr>
     <a:masterClrMapping/>
@@ -3624,7 +3829,7 @@
           <a:p>
             <a:fld id="{46B4F425-4EF2-4839-BAED-000121F778DC}" type="datetime2">
               <a:rPr lang="en-US" smtClean="0"/>
-              <a:t>Thursday, July 18, 2019</a:t>
+              <a:t>Thursday, August 15, 2019</a:t>
             </a:fld>
             <a:endParaRPr/>
           </a:p>
@@ -4359,7 +4564,7 @@
           <a:p>
             <a:fld id="{85B47645-258D-4609-B348-E506BA3EF22E}" type="datetime2">
               <a:rPr lang="en-US" smtClean="0"/>
-              <a:t>Thursday, July 18, 2019</a:t>
+              <a:t>Thursday, August 15, 2019</a:t>
             </a:fld>
             <a:endParaRPr/>
           </a:p>
@@ -5131,7 +5336,7 @@
           <a:p>
             <a:fld id="{464DDADB-5A16-44D5-811D-5A2927DC3F4E}" type="datetime2">
               <a:rPr lang="en-US" smtClean="0"/>
-              <a:t>Thursday, July 18, 2019</a:t>
+              <a:t>Thursday, August 15, 2019</a:t>
             </a:fld>
             <a:endParaRPr/>
           </a:p>
@@ -6053,7 +6258,7 @@
           <a:p>
             <a:fld id="{D2DBCD9E-AE10-43A1-AC80-97FF75F38D61}" type="datetime2">
               <a:rPr lang="en-US" smtClean="0"/>
-              <a:t>Thursday, July 18, 2019</a:t>
+              <a:t>Thursday, August 15, 2019</a:t>
             </a:fld>
             <a:endParaRPr/>
           </a:p>
@@ -7349,7 +7554,7 @@
           <a:p>
             <a:fld id="{EBCFFE87-1199-4D14-A211-9EC78D4B0424}" type="datetime2">
               <a:rPr lang="en-US" smtClean="0"/>
-              <a:t>Thursday, July 18, 2019</a:t>
+              <a:t>Thursday, August 15, 2019</a:t>
             </a:fld>
             <a:endParaRPr/>
           </a:p>
@@ -7897,7 +8102,7 @@
           <a:p>
             <a:fld id="{4B1472CA-3472-4318-B48D-F8AA3B6EA96E}" type="datetime2">
               <a:rPr lang="en-US" smtClean="0"/>
-              <a:t>Thursday, July 18, 2019</a:t>
+              <a:t>Thursday, August 15, 2019</a:t>
             </a:fld>
             <a:endParaRPr/>
           </a:p>
@@ -8820,7 +9025,7 @@
           <a:p>
             <a:fld id="{94477E4B-292F-4ABB-B13E-786353AB3393}" type="datetime2">
               <a:rPr lang="en-US" smtClean="0"/>
-              <a:t>Thursday, July 18, 2019</a:t>
+              <a:t>Thursday, August 15, 2019</a:t>
             </a:fld>
             <a:endParaRPr/>
           </a:p>
@@ -9824,7 +10029,7 @@
           <a:p>
             <a:fld id="{58390456-0B92-4ECD-BFD1-647D6F0F38E7}" type="datetime2">
               <a:rPr lang="en-US" smtClean="0"/>
-              <a:t>Thursday, July 18, 2019</a:t>
+              <a:t>Thursday, August 15, 2019</a:t>
             </a:fld>
             <a:endParaRPr/>
           </a:p>
@@ -10792,7 +10997,7 @@
           <a:p>
             <a:fld id="{3477B39C-078E-4EAB-B88A-6FFE2617721C}" type="datetime2">
               <a:rPr lang="en-US" smtClean="0"/>
-              <a:t>Thursday, July 18, 2019</a:t>
+              <a:t>Thursday, August 15, 2019</a:t>
             </a:fld>
             <a:endParaRPr/>
           </a:p>
@@ -11527,7 +11732,7 @@
           <a:p>
             <a:fld id="{15E849F9-E76F-401B-931D-7FA2B2449E02}" type="datetime2">
               <a:rPr lang="en-US" smtClean="0"/>
-              <a:t>Thursday, July 18, 2019</a:t>
+              <a:t>Thursday, August 15, 2019</a:t>
             </a:fld>
             <a:endParaRPr/>
           </a:p>
@@ -12262,7 +12467,7 @@
           <a:p>
             <a:fld id="{CA3332E8-7425-4028-B330-52831852A0FB}" type="datetime2">
               <a:rPr lang="en-US" smtClean="0"/>
-              <a:t>Thursday, July 18, 2019</a:t>
+              <a:t>Thursday, August 15, 2019</a:t>
             </a:fld>
             <a:endParaRPr/>
           </a:p>
@@ -16826,7 +17031,7 @@
           <a:p>
             <a:fld id="{42ADD013-DC3F-4D13-9E55-73F4F538A91C}" type="datetime2">
               <a:rPr lang="en-US" smtClean="0"/>
-              <a:t>Thursday, July 18, 2019</a:t>
+              <a:t>Thursday, August 15, 2019</a:t>
             </a:fld>
             <a:endParaRPr/>
           </a:p>
@@ -18575,7 +18780,7 @@
           <a:p>
             <a:fld id="{ACCCA325-0824-4929-97AE-4EBE4453A899}" type="datetime2">
               <a:rPr lang="en-US" smtClean="0"/>
-              <a:t>Thursday, July 18, 2019</a:t>
+              <a:t>Thursday, August 15, 2019</a:t>
             </a:fld>
             <a:endParaRPr/>
           </a:p>
@@ -20017,7 +20222,7 @@
           <a:p>
             <a:fld id="{7CF97C51-5316-4323-AEBD-3AD736C293D5}" type="datetime2">
               <a:rPr lang="en-US" smtClean="0"/>
-              <a:t>Thursday, July 18, 2019</a:t>
+              <a:t>Thursday, August 15, 2019</a:t>
             </a:fld>
             <a:endParaRPr lang="en-US"/>
           </a:p>
@@ -20255,7 +20460,7 @@
                   <a:srgbClr val="FFFFFF"/>
                 </a:solidFill>
               </a:rPr>
-              <a:t>Tools Used</a:t>
+              <a:t>Observations Using ROGUE</a:t>
             </a:r>
             <a:endParaRPr sz="1100" dirty="0"/>
           </a:p>
@@ -20284,7 +20489,7 @@
           <a:p>
             <a:fld id="{FEB903B1-390D-4B20-A986-7E66DC016BEB}" type="datetime2">
               <a:rPr lang="en-US" smtClean="0"/>
-              <a:t>Thursday, July 18, 2019</a:t>
+              <a:t>Thursday, August 15, 2019</a:t>
             </a:fld>
             <a:endParaRPr lang="en-US"/>
           </a:p>
@@ -20356,10 +20561,2300 @@
           </a:p>
         </p:txBody>
       </p:sp>
+      <p:graphicFrame>
+        <p:nvGraphicFramePr>
+          <p:cNvPr id="4" name="Table 3">
+            <a:extLst>
+              <a:ext uri="{FF2B5EF4-FFF2-40B4-BE49-F238E27FC236}">
+                <a16:creationId xmlns:a16="http://schemas.microsoft.com/office/drawing/2014/main" id="{D7DA6638-1199-451E-B69F-973ED3EAE8F4}"/>
+              </a:ext>
+            </a:extLst>
+          </p:cNvPr>
+          <p:cNvGraphicFramePr>
+            <a:graphicFrameLocks noGrp="1"/>
+          </p:cNvGraphicFramePr>
+          <p:nvPr>
+            <p:extLst>
+              <p:ext uri="{D42A27DB-BD31-4B8C-83A1-F6EECF244321}">
+                <p14:modId xmlns:p14="http://schemas.microsoft.com/office/powerpoint/2010/main" val="1027756960"/>
+              </p:ext>
+            </p:extLst>
+          </p:nvPr>
+        </p:nvGraphicFramePr>
+        <p:xfrm>
+          <a:off x="884419" y="1743446"/>
+          <a:ext cx="7085407" cy="3267760"/>
+        </p:xfrm>
+        <a:graphic>
+          <a:graphicData uri="http://schemas.openxmlformats.org/drawingml/2006/table">
+            <a:tbl>
+              <a:tblPr firstRow="1">
+                <a:tableStyleId>{5C22544A-7EE6-4342-B048-85BDC9FD1C3A}</a:tableStyleId>
+              </a:tblPr>
+              <a:tblGrid>
+                <a:gridCol w="928843">
+                  <a:extLst>
+                    <a:ext uri="{9D8B030D-6E8A-4147-A177-3AD203B41FA5}">
+                      <a16:colId xmlns:a16="http://schemas.microsoft.com/office/drawing/2014/main" val="1777193482"/>
+                    </a:ext>
+                  </a:extLst>
+                </a:gridCol>
+                <a:gridCol w="1798145">
+                  <a:extLst>
+                    <a:ext uri="{9D8B030D-6E8A-4147-A177-3AD203B41FA5}">
+                      <a16:colId xmlns:a16="http://schemas.microsoft.com/office/drawing/2014/main" val="2409215453"/>
+                    </a:ext>
+                  </a:extLst>
+                </a:gridCol>
+                <a:gridCol w="916935">
+                  <a:extLst>
+                    <a:ext uri="{9D8B030D-6E8A-4147-A177-3AD203B41FA5}">
+                      <a16:colId xmlns:a16="http://schemas.microsoft.com/office/drawing/2014/main" val="2171868999"/>
+                    </a:ext>
+                  </a:extLst>
+                </a:gridCol>
+                <a:gridCol w="1083651">
+                  <a:extLst>
+                    <a:ext uri="{9D8B030D-6E8A-4147-A177-3AD203B41FA5}">
+                      <a16:colId xmlns:a16="http://schemas.microsoft.com/office/drawing/2014/main" val="4060220225"/>
+                    </a:ext>
+                  </a:extLst>
+                </a:gridCol>
+                <a:gridCol w="869302">
+                  <a:extLst>
+                    <a:ext uri="{9D8B030D-6E8A-4147-A177-3AD203B41FA5}">
+                      <a16:colId xmlns:a16="http://schemas.microsoft.com/office/drawing/2014/main" val="3515952123"/>
+                    </a:ext>
+                  </a:extLst>
+                </a:gridCol>
+                <a:gridCol w="1488531">
+                  <a:extLst>
+                    <a:ext uri="{9D8B030D-6E8A-4147-A177-3AD203B41FA5}">
+                      <a16:colId xmlns:a16="http://schemas.microsoft.com/office/drawing/2014/main" val="2328341674"/>
+                    </a:ext>
+                  </a:extLst>
+                </a:gridCol>
+              </a:tblGrid>
+              <a:tr h="278560">
+                <a:tc>
+                  <a:txBody>
+                    <a:bodyPr/>
+                    <a:lstStyle/>
+                    <a:p>
+                      <a:pPr algn="l" fontAlgn="b"/>
+                      <a:r>
+                        <a:rPr lang="en-US" sz="1000" u="none" strike="noStrike">
+                          <a:effectLst/>
+                        </a:rPr>
+                        <a:t>ROUGE-Type</a:t>
+                      </a:r>
+                      <a:endParaRPr lang="en-US" sz="1000" b="1" i="0" u="none" strike="noStrike">
+                        <a:solidFill>
+                          <a:srgbClr val="FFFFFF"/>
+                        </a:solidFill>
+                        <a:effectLst/>
+                        <a:latin typeface="Calibri" panose="020F0502020204030204" pitchFamily="34" charset="0"/>
+                      </a:endParaRPr>
+                    </a:p>
+                  </a:txBody>
+                  <a:tcPr marL="4210" marR="4210" marT="4210" marB="0" anchor="b"/>
+                </a:tc>
+                <a:tc>
+                  <a:txBody>
+                    <a:bodyPr/>
+                    <a:lstStyle/>
+                    <a:p>
+                      <a:pPr algn="l" fontAlgn="b"/>
+                      <a:r>
+                        <a:rPr lang="en-US" sz="1000" u="none" strike="noStrike">
+                          <a:effectLst/>
+                        </a:rPr>
+                        <a:t>System Name</a:t>
+                      </a:r>
+                      <a:endParaRPr lang="en-US" sz="1000" b="1" i="0" u="none" strike="noStrike">
+                        <a:solidFill>
+                          <a:srgbClr val="FFFFFF"/>
+                        </a:solidFill>
+                        <a:effectLst/>
+                        <a:latin typeface="Calibri" panose="020F0502020204030204" pitchFamily="34" charset="0"/>
+                      </a:endParaRPr>
+                    </a:p>
+                  </a:txBody>
+                  <a:tcPr marL="4210" marR="4210" marT="4210" marB="0" anchor="b"/>
+                </a:tc>
+                <a:tc>
+                  <a:txBody>
+                    <a:bodyPr/>
+                    <a:lstStyle/>
+                    <a:p>
+                      <a:pPr algn="l" fontAlgn="b"/>
+                      <a:r>
+                        <a:rPr lang="en-US" sz="1000" u="none" strike="noStrike">
+                          <a:effectLst/>
+                        </a:rPr>
+                        <a:t>Avg_Recall</a:t>
+                      </a:r>
+                      <a:endParaRPr lang="en-US" sz="1000" b="1" i="0" u="none" strike="noStrike">
+                        <a:solidFill>
+                          <a:srgbClr val="FFFFFF"/>
+                        </a:solidFill>
+                        <a:effectLst/>
+                        <a:latin typeface="Calibri" panose="020F0502020204030204" pitchFamily="34" charset="0"/>
+                      </a:endParaRPr>
+                    </a:p>
+                  </a:txBody>
+                  <a:tcPr marL="4210" marR="4210" marT="4210" marB="0" anchor="b"/>
+                </a:tc>
+                <a:tc>
+                  <a:txBody>
+                    <a:bodyPr/>
+                    <a:lstStyle/>
+                    <a:p>
+                      <a:pPr algn="l" fontAlgn="b"/>
+                      <a:r>
+                        <a:rPr lang="en-US" sz="1000" u="none" strike="noStrike">
+                          <a:effectLst/>
+                        </a:rPr>
+                        <a:t>Avg_Precision</a:t>
+                      </a:r>
+                      <a:endParaRPr lang="en-US" sz="1000" b="1" i="0" u="none" strike="noStrike">
+                        <a:solidFill>
+                          <a:srgbClr val="FFFFFF"/>
+                        </a:solidFill>
+                        <a:effectLst/>
+                        <a:latin typeface="Calibri" panose="020F0502020204030204" pitchFamily="34" charset="0"/>
+                      </a:endParaRPr>
+                    </a:p>
+                  </a:txBody>
+                  <a:tcPr marL="4210" marR="4210" marT="4210" marB="0" anchor="b"/>
+                </a:tc>
+                <a:tc>
+                  <a:txBody>
+                    <a:bodyPr/>
+                    <a:lstStyle/>
+                    <a:p>
+                      <a:pPr algn="l" fontAlgn="b"/>
+                      <a:r>
+                        <a:rPr lang="en-US" sz="1000" u="none" strike="noStrike">
+                          <a:effectLst/>
+                        </a:rPr>
+                        <a:t>Avg_F-Score</a:t>
+                      </a:r>
+                      <a:endParaRPr lang="en-US" sz="1000" b="1" i="0" u="none" strike="noStrike">
+                        <a:solidFill>
+                          <a:srgbClr val="FFFFFF"/>
+                        </a:solidFill>
+                        <a:effectLst/>
+                        <a:latin typeface="Calibri" panose="020F0502020204030204" pitchFamily="34" charset="0"/>
+                      </a:endParaRPr>
+                    </a:p>
+                  </a:txBody>
+                  <a:tcPr marL="4210" marR="4210" marT="4210" marB="0" anchor="b"/>
+                </a:tc>
+                <a:tc>
+                  <a:txBody>
+                    <a:bodyPr/>
+                    <a:lstStyle/>
+                    <a:p>
+                      <a:pPr algn="l" fontAlgn="b"/>
+                      <a:r>
+                        <a:rPr lang="en-US" sz="1000" u="none" strike="noStrike">
+                          <a:effectLst/>
+                        </a:rPr>
+                        <a:t>Num Reference Summaries</a:t>
+                      </a:r>
+                      <a:endParaRPr lang="en-US" sz="1000" b="1" i="0" u="none" strike="noStrike">
+                        <a:solidFill>
+                          <a:srgbClr val="FFFFFF"/>
+                        </a:solidFill>
+                        <a:effectLst/>
+                        <a:latin typeface="Calibri" panose="020F0502020204030204" pitchFamily="34" charset="0"/>
+                      </a:endParaRPr>
+                    </a:p>
+                  </a:txBody>
+                  <a:tcPr marL="4210" marR="4210" marT="4210" marB="0" anchor="b"/>
+                </a:tc>
+                <a:extLst>
+                  <a:ext uri="{0D108BD9-81ED-4DB2-BD59-A6C34878D82A}">
+                    <a16:rowId xmlns:a16="http://schemas.microsoft.com/office/drawing/2014/main" val="2483084173"/>
+                  </a:ext>
+                </a:extLst>
+              </a:tr>
+              <a:tr h="141178">
+                <a:tc>
+                  <a:txBody>
+                    <a:bodyPr/>
+                    <a:lstStyle/>
+                    <a:p>
+                      <a:pPr algn="l" fontAlgn="b"/>
+                      <a:r>
+                        <a:rPr lang="en-US" sz="1000" u="none" strike="noStrike">
+                          <a:effectLst/>
+                        </a:rPr>
+                        <a:t>ROUGE-L</a:t>
+                      </a:r>
+                      <a:endParaRPr lang="en-US" sz="1000" b="0" i="0" u="none" strike="noStrike">
+                        <a:solidFill>
+                          <a:srgbClr val="000000"/>
+                        </a:solidFill>
+                        <a:effectLst/>
+                        <a:latin typeface="Calibri" panose="020F0502020204030204" pitchFamily="34" charset="0"/>
+                      </a:endParaRPr>
+                    </a:p>
+                  </a:txBody>
+                  <a:tcPr marL="4210" marR="4210" marT="4210" marB="0" anchor="b"/>
+                </a:tc>
+                <a:tc>
+                  <a:txBody>
+                    <a:bodyPr/>
+                    <a:lstStyle/>
+                    <a:p>
+                      <a:pPr algn="l" fontAlgn="b"/>
+                      <a:r>
+                        <a:rPr lang="en-US" sz="1000" u="none" strike="noStrike">
+                          <a:effectLst/>
+                        </a:rPr>
+                        <a:t>Text Rank Output.txt</a:t>
+                      </a:r>
+                      <a:endParaRPr lang="en-US" sz="1000" b="0" i="0" u="none" strike="noStrike">
+                        <a:solidFill>
+                          <a:srgbClr val="000000"/>
+                        </a:solidFill>
+                        <a:effectLst/>
+                        <a:latin typeface="Calibri" panose="020F0502020204030204" pitchFamily="34" charset="0"/>
+                      </a:endParaRPr>
+                    </a:p>
+                  </a:txBody>
+                  <a:tcPr marL="4210" marR="4210" marT="4210" marB="0" anchor="b"/>
+                </a:tc>
+                <a:tc>
+                  <a:txBody>
+                    <a:bodyPr/>
+                    <a:lstStyle/>
+                    <a:p>
+                      <a:pPr algn="r" fontAlgn="b"/>
+                      <a:r>
+                        <a:rPr lang="en-US" sz="1000" u="none" strike="noStrike" dirty="0">
+                          <a:effectLst/>
+                        </a:rPr>
+                        <a:t>0.07076</a:t>
+                      </a:r>
+                      <a:endParaRPr lang="en-US" sz="1000" b="0" i="0" u="none" strike="noStrike" dirty="0">
+                        <a:solidFill>
+                          <a:srgbClr val="000000"/>
+                        </a:solidFill>
+                        <a:effectLst/>
+                        <a:latin typeface="Calibri" panose="020F0502020204030204" pitchFamily="34" charset="0"/>
+                      </a:endParaRPr>
+                    </a:p>
+                  </a:txBody>
+                  <a:tcPr marL="4210" marR="4210" marT="4210" marB="0" anchor="b"/>
+                </a:tc>
+                <a:tc>
+                  <a:txBody>
+                    <a:bodyPr/>
+                    <a:lstStyle/>
+                    <a:p>
+                      <a:pPr algn="r" fontAlgn="b"/>
+                      <a:r>
+                        <a:rPr lang="en-US" sz="1000" u="none" strike="noStrike">
+                          <a:effectLst/>
+                        </a:rPr>
+                        <a:t>0.59375</a:t>
+                      </a:r>
+                      <a:endParaRPr lang="en-US" sz="1000" b="0" i="0" u="none" strike="noStrike">
+                        <a:solidFill>
+                          <a:srgbClr val="000000"/>
+                        </a:solidFill>
+                        <a:effectLst/>
+                        <a:latin typeface="Calibri" panose="020F0502020204030204" pitchFamily="34" charset="0"/>
+                      </a:endParaRPr>
+                    </a:p>
+                  </a:txBody>
+                  <a:tcPr marL="4210" marR="4210" marT="4210" marB="0" anchor="b"/>
+                </a:tc>
+                <a:tc>
+                  <a:txBody>
+                    <a:bodyPr/>
+                    <a:lstStyle/>
+                    <a:p>
+                      <a:pPr algn="r" fontAlgn="b"/>
+                      <a:r>
+                        <a:rPr lang="en-US" sz="1000" u="none" strike="noStrike">
+                          <a:effectLst/>
+                        </a:rPr>
+                        <a:t>0.12646</a:t>
+                      </a:r>
+                      <a:endParaRPr lang="en-US" sz="1000" b="0" i="0" u="none" strike="noStrike">
+                        <a:solidFill>
+                          <a:srgbClr val="000000"/>
+                        </a:solidFill>
+                        <a:effectLst/>
+                        <a:latin typeface="Calibri" panose="020F0502020204030204" pitchFamily="34" charset="0"/>
+                      </a:endParaRPr>
+                    </a:p>
+                  </a:txBody>
+                  <a:tcPr marL="4210" marR="4210" marT="4210" marB="0" anchor="b"/>
+                </a:tc>
+                <a:tc>
+                  <a:txBody>
+                    <a:bodyPr/>
+                    <a:lstStyle/>
+                    <a:p>
+                      <a:pPr algn="r" fontAlgn="b"/>
+                      <a:r>
+                        <a:rPr lang="en-US" sz="1000" u="none" strike="noStrike">
+                          <a:effectLst/>
+                        </a:rPr>
+                        <a:t>3</a:t>
+                      </a:r>
+                      <a:endParaRPr lang="en-US" sz="1000" b="0" i="0" u="none" strike="noStrike">
+                        <a:solidFill>
+                          <a:srgbClr val="000000"/>
+                        </a:solidFill>
+                        <a:effectLst/>
+                        <a:latin typeface="Calibri" panose="020F0502020204030204" pitchFamily="34" charset="0"/>
+                      </a:endParaRPr>
+                    </a:p>
+                  </a:txBody>
+                  <a:tcPr marL="4210" marR="4210" marT="4210" marB="0" anchor="b"/>
+                </a:tc>
+                <a:extLst>
+                  <a:ext uri="{0D108BD9-81ED-4DB2-BD59-A6C34878D82A}">
+                    <a16:rowId xmlns:a16="http://schemas.microsoft.com/office/drawing/2014/main" val="1234106333"/>
+                  </a:ext>
+                </a:extLst>
+              </a:tr>
+              <a:tr h="278560">
+                <a:tc>
+                  <a:txBody>
+                    <a:bodyPr/>
+                    <a:lstStyle/>
+                    <a:p>
+                      <a:pPr algn="l" fontAlgn="b"/>
+                      <a:r>
+                        <a:rPr lang="en-US" sz="1000" u="none" strike="noStrike">
+                          <a:effectLst/>
+                        </a:rPr>
+                        <a:t>ROUGE-L</a:t>
+                      </a:r>
+                      <a:endParaRPr lang="en-US" sz="1000" b="0" i="0" u="none" strike="noStrike">
+                        <a:solidFill>
+                          <a:srgbClr val="000000"/>
+                        </a:solidFill>
+                        <a:effectLst/>
+                        <a:latin typeface="Calibri" panose="020F0502020204030204" pitchFamily="34" charset="0"/>
+                      </a:endParaRPr>
+                    </a:p>
+                  </a:txBody>
+                  <a:tcPr marL="4210" marR="4210" marT="4210" marB="0" anchor="b"/>
+                </a:tc>
+                <a:tc>
+                  <a:txBody>
+                    <a:bodyPr/>
+                    <a:lstStyle/>
+                    <a:p>
+                      <a:pPr algn="l" fontAlgn="b"/>
+                      <a:r>
+                        <a:rPr lang="en-US" sz="1000" u="none" strike="noStrike">
+                          <a:effectLst/>
+                        </a:rPr>
+                        <a:t>Presidents-speech-summarization.txt</a:t>
+                      </a:r>
+                      <a:endParaRPr lang="en-US" sz="1000" b="0" i="0" u="none" strike="noStrike">
+                        <a:solidFill>
+                          <a:srgbClr val="000000"/>
+                        </a:solidFill>
+                        <a:effectLst/>
+                        <a:latin typeface="Calibri" panose="020F0502020204030204" pitchFamily="34" charset="0"/>
+                      </a:endParaRPr>
+                    </a:p>
+                  </a:txBody>
+                  <a:tcPr marL="4210" marR="4210" marT="4210" marB="0" anchor="b"/>
+                </a:tc>
+                <a:tc>
+                  <a:txBody>
+                    <a:bodyPr/>
+                    <a:lstStyle/>
+                    <a:p>
+                      <a:pPr algn="r" fontAlgn="b"/>
+                      <a:r>
+                        <a:rPr lang="en-US" sz="1000" u="none" strike="noStrike">
+                          <a:effectLst/>
+                        </a:rPr>
+                        <a:t>0.07076</a:t>
+                      </a:r>
+                      <a:endParaRPr lang="en-US" sz="1000" b="0" i="0" u="none" strike="noStrike">
+                        <a:solidFill>
+                          <a:srgbClr val="000000"/>
+                        </a:solidFill>
+                        <a:effectLst/>
+                        <a:latin typeface="Calibri" panose="020F0502020204030204" pitchFamily="34" charset="0"/>
+                      </a:endParaRPr>
+                    </a:p>
+                  </a:txBody>
+                  <a:tcPr marL="4210" marR="4210" marT="4210" marB="0" anchor="b"/>
+                </a:tc>
+                <a:tc>
+                  <a:txBody>
+                    <a:bodyPr/>
+                    <a:lstStyle/>
+                    <a:p>
+                      <a:pPr algn="r" fontAlgn="b"/>
+                      <a:r>
+                        <a:rPr lang="en-US" sz="1000" u="none" strike="noStrike">
+                          <a:effectLst/>
+                        </a:rPr>
+                        <a:t>0.48101</a:t>
+                      </a:r>
+                      <a:endParaRPr lang="en-US" sz="1000" b="0" i="0" u="none" strike="noStrike">
+                        <a:solidFill>
+                          <a:srgbClr val="000000"/>
+                        </a:solidFill>
+                        <a:effectLst/>
+                        <a:latin typeface="Calibri" panose="020F0502020204030204" pitchFamily="34" charset="0"/>
+                      </a:endParaRPr>
+                    </a:p>
+                  </a:txBody>
+                  <a:tcPr marL="4210" marR="4210" marT="4210" marB="0" anchor="b"/>
+                </a:tc>
+                <a:tc>
+                  <a:txBody>
+                    <a:bodyPr/>
+                    <a:lstStyle/>
+                    <a:p>
+                      <a:pPr algn="r" fontAlgn="b"/>
+                      <a:r>
+                        <a:rPr lang="en-US" sz="1000" u="none" strike="noStrike">
+                          <a:effectLst/>
+                        </a:rPr>
+                        <a:t>0.12338</a:t>
+                      </a:r>
+                      <a:endParaRPr lang="en-US" sz="1000" b="0" i="0" u="none" strike="noStrike">
+                        <a:solidFill>
+                          <a:srgbClr val="000000"/>
+                        </a:solidFill>
+                        <a:effectLst/>
+                        <a:latin typeface="Calibri" panose="020F0502020204030204" pitchFamily="34" charset="0"/>
+                      </a:endParaRPr>
+                    </a:p>
+                  </a:txBody>
+                  <a:tcPr marL="4210" marR="4210" marT="4210" marB="0" anchor="b"/>
+                </a:tc>
+                <a:tc>
+                  <a:txBody>
+                    <a:bodyPr/>
+                    <a:lstStyle/>
+                    <a:p>
+                      <a:pPr algn="r" fontAlgn="b"/>
+                      <a:r>
+                        <a:rPr lang="en-US" sz="1000" u="none" strike="noStrike">
+                          <a:effectLst/>
+                        </a:rPr>
+                        <a:t>3</a:t>
+                      </a:r>
+                      <a:endParaRPr lang="en-US" sz="1000" b="0" i="0" u="none" strike="noStrike">
+                        <a:solidFill>
+                          <a:srgbClr val="000000"/>
+                        </a:solidFill>
+                        <a:effectLst/>
+                        <a:latin typeface="Calibri" panose="020F0502020204030204" pitchFamily="34" charset="0"/>
+                      </a:endParaRPr>
+                    </a:p>
+                  </a:txBody>
+                  <a:tcPr marL="4210" marR="4210" marT="4210" marB="0" anchor="b"/>
+                </a:tc>
+                <a:extLst>
+                  <a:ext uri="{0D108BD9-81ED-4DB2-BD59-A6C34878D82A}">
+                    <a16:rowId xmlns:a16="http://schemas.microsoft.com/office/drawing/2014/main" val="3926209839"/>
+                  </a:ext>
+                </a:extLst>
+              </a:tr>
+              <a:tr h="141178">
+                <a:tc>
+                  <a:txBody>
+                    <a:bodyPr/>
+                    <a:lstStyle/>
+                    <a:p>
+                      <a:pPr algn="l" fontAlgn="b"/>
+                      <a:r>
+                        <a:rPr lang="en-US" sz="1000" u="none" strike="noStrike">
+                          <a:effectLst/>
+                        </a:rPr>
+                        <a:t>ROUGE-L</a:t>
+                      </a:r>
+                      <a:endParaRPr lang="en-US" sz="1000" b="0" i="0" u="none" strike="noStrike">
+                        <a:solidFill>
+                          <a:srgbClr val="000000"/>
+                        </a:solidFill>
+                        <a:effectLst/>
+                        <a:latin typeface="Calibri" panose="020F0502020204030204" pitchFamily="34" charset="0"/>
+                      </a:endParaRPr>
+                    </a:p>
+                  </a:txBody>
+                  <a:tcPr marL="4210" marR="4210" marT="4210" marB="0" anchor="b"/>
+                </a:tc>
+                <a:tc>
+                  <a:txBody>
+                    <a:bodyPr/>
+                    <a:lstStyle/>
+                    <a:p>
+                      <a:pPr algn="l" fontAlgn="b"/>
+                      <a:r>
+                        <a:rPr lang="en-US" sz="1000" u="none" strike="noStrike">
+                          <a:effectLst/>
+                        </a:rPr>
+                        <a:t>lstm_extensions.txt</a:t>
+                      </a:r>
+                      <a:endParaRPr lang="en-US" sz="1000" b="0" i="0" u="none" strike="noStrike">
+                        <a:solidFill>
+                          <a:srgbClr val="000000"/>
+                        </a:solidFill>
+                        <a:effectLst/>
+                        <a:latin typeface="Calibri" panose="020F0502020204030204" pitchFamily="34" charset="0"/>
+                      </a:endParaRPr>
+                    </a:p>
+                  </a:txBody>
+                  <a:tcPr marL="4210" marR="4210" marT="4210" marB="0" anchor="b"/>
+                </a:tc>
+                <a:tc>
+                  <a:txBody>
+                    <a:bodyPr/>
+                    <a:lstStyle/>
+                    <a:p>
+                      <a:pPr algn="r" fontAlgn="b"/>
+                      <a:r>
+                        <a:rPr lang="en-US" sz="1000" u="none" strike="noStrike">
+                          <a:effectLst/>
+                        </a:rPr>
+                        <a:t>0.04097</a:t>
+                      </a:r>
+                      <a:endParaRPr lang="en-US" sz="1000" b="0" i="0" u="none" strike="noStrike">
+                        <a:solidFill>
+                          <a:srgbClr val="000000"/>
+                        </a:solidFill>
+                        <a:effectLst/>
+                        <a:latin typeface="Calibri" panose="020F0502020204030204" pitchFamily="34" charset="0"/>
+                      </a:endParaRPr>
+                    </a:p>
+                  </a:txBody>
+                  <a:tcPr marL="4210" marR="4210" marT="4210" marB="0" anchor="b"/>
+                </a:tc>
+                <a:tc>
+                  <a:txBody>
+                    <a:bodyPr/>
+                    <a:lstStyle/>
+                    <a:p>
+                      <a:pPr algn="r" fontAlgn="b"/>
+                      <a:r>
+                        <a:rPr lang="en-US" sz="1000" u="none" strike="noStrike">
+                          <a:effectLst/>
+                        </a:rPr>
+                        <a:t>0.28205</a:t>
+                      </a:r>
+                      <a:endParaRPr lang="en-US" sz="1000" b="0" i="0" u="none" strike="noStrike">
+                        <a:solidFill>
+                          <a:srgbClr val="000000"/>
+                        </a:solidFill>
+                        <a:effectLst/>
+                        <a:latin typeface="Calibri" panose="020F0502020204030204" pitchFamily="34" charset="0"/>
+                      </a:endParaRPr>
+                    </a:p>
+                  </a:txBody>
+                  <a:tcPr marL="4210" marR="4210" marT="4210" marB="0" anchor="b"/>
+                </a:tc>
+                <a:tc>
+                  <a:txBody>
+                    <a:bodyPr/>
+                    <a:lstStyle/>
+                    <a:p>
+                      <a:pPr algn="r" fontAlgn="b"/>
+                      <a:r>
+                        <a:rPr lang="en-US" sz="1000" u="none" strike="noStrike">
+                          <a:effectLst/>
+                        </a:rPr>
+                        <a:t>0.07154</a:t>
+                      </a:r>
+                      <a:endParaRPr lang="en-US" sz="1000" b="0" i="0" u="none" strike="noStrike">
+                        <a:solidFill>
+                          <a:srgbClr val="000000"/>
+                        </a:solidFill>
+                        <a:effectLst/>
+                        <a:latin typeface="Calibri" panose="020F0502020204030204" pitchFamily="34" charset="0"/>
+                      </a:endParaRPr>
+                    </a:p>
+                  </a:txBody>
+                  <a:tcPr marL="4210" marR="4210" marT="4210" marB="0" anchor="b"/>
+                </a:tc>
+                <a:tc>
+                  <a:txBody>
+                    <a:bodyPr/>
+                    <a:lstStyle/>
+                    <a:p>
+                      <a:pPr algn="r" fontAlgn="b"/>
+                      <a:r>
+                        <a:rPr lang="en-US" sz="1000" u="none" strike="noStrike">
+                          <a:effectLst/>
+                        </a:rPr>
+                        <a:t>3</a:t>
+                      </a:r>
+                      <a:endParaRPr lang="en-US" sz="1000" b="0" i="0" u="none" strike="noStrike">
+                        <a:solidFill>
+                          <a:srgbClr val="000000"/>
+                        </a:solidFill>
+                        <a:effectLst/>
+                        <a:latin typeface="Calibri" panose="020F0502020204030204" pitchFamily="34" charset="0"/>
+                      </a:endParaRPr>
+                    </a:p>
+                  </a:txBody>
+                  <a:tcPr marL="4210" marR="4210" marT="4210" marB="0" anchor="b"/>
+                </a:tc>
+                <a:extLst>
+                  <a:ext uri="{0D108BD9-81ED-4DB2-BD59-A6C34878D82A}">
+                    <a16:rowId xmlns:a16="http://schemas.microsoft.com/office/drawing/2014/main" val="3070261413"/>
+                  </a:ext>
+                </a:extLst>
+              </a:tr>
+              <a:tr h="141178">
+                <a:tc>
+                  <a:txBody>
+                    <a:bodyPr/>
+                    <a:lstStyle/>
+                    <a:p>
+                      <a:pPr algn="l" fontAlgn="b"/>
+                      <a:endParaRPr lang="en-US" sz="1000" b="0" i="0" u="none" strike="noStrike">
+                        <a:solidFill>
+                          <a:srgbClr val="000000"/>
+                        </a:solidFill>
+                        <a:effectLst/>
+                        <a:latin typeface="Calibri" panose="020F0502020204030204" pitchFamily="34" charset="0"/>
+                      </a:endParaRPr>
+                    </a:p>
+                  </a:txBody>
+                  <a:tcPr marL="4210" marR="4210" marT="4210" marB="0" anchor="b"/>
+                </a:tc>
+                <a:tc>
+                  <a:txBody>
+                    <a:bodyPr/>
+                    <a:lstStyle/>
+                    <a:p>
+                      <a:pPr algn="l" fontAlgn="b"/>
+                      <a:endParaRPr lang="en-US" sz="1000" b="0" i="0" u="none" strike="noStrike">
+                        <a:solidFill>
+                          <a:srgbClr val="000000"/>
+                        </a:solidFill>
+                        <a:effectLst/>
+                        <a:latin typeface="Calibri" panose="020F0502020204030204" pitchFamily="34" charset="0"/>
+                      </a:endParaRPr>
+                    </a:p>
+                  </a:txBody>
+                  <a:tcPr marL="4210" marR="4210" marT="4210" marB="0" anchor="b"/>
+                </a:tc>
+                <a:tc>
+                  <a:txBody>
+                    <a:bodyPr/>
+                    <a:lstStyle/>
+                    <a:p>
+                      <a:pPr algn="l" fontAlgn="b"/>
+                      <a:endParaRPr lang="en-US" sz="1000" b="0" i="0" u="none" strike="noStrike">
+                        <a:solidFill>
+                          <a:srgbClr val="000000"/>
+                        </a:solidFill>
+                        <a:effectLst/>
+                        <a:latin typeface="Calibri" panose="020F0502020204030204" pitchFamily="34" charset="0"/>
+                      </a:endParaRPr>
+                    </a:p>
+                  </a:txBody>
+                  <a:tcPr marL="4210" marR="4210" marT="4210" marB="0" anchor="b"/>
+                </a:tc>
+                <a:tc>
+                  <a:txBody>
+                    <a:bodyPr/>
+                    <a:lstStyle/>
+                    <a:p>
+                      <a:pPr algn="l" fontAlgn="b"/>
+                      <a:endParaRPr lang="en-US" sz="1000" b="0" i="0" u="none" strike="noStrike">
+                        <a:solidFill>
+                          <a:srgbClr val="000000"/>
+                        </a:solidFill>
+                        <a:effectLst/>
+                        <a:latin typeface="Calibri" panose="020F0502020204030204" pitchFamily="34" charset="0"/>
+                      </a:endParaRPr>
+                    </a:p>
+                  </a:txBody>
+                  <a:tcPr marL="4210" marR="4210" marT="4210" marB="0" anchor="b"/>
+                </a:tc>
+                <a:tc>
+                  <a:txBody>
+                    <a:bodyPr/>
+                    <a:lstStyle/>
+                    <a:p>
+                      <a:pPr algn="l" fontAlgn="b"/>
+                      <a:endParaRPr lang="en-US" sz="1000" b="0" i="0" u="none" strike="noStrike">
+                        <a:solidFill>
+                          <a:srgbClr val="000000"/>
+                        </a:solidFill>
+                        <a:effectLst/>
+                        <a:latin typeface="Calibri" panose="020F0502020204030204" pitchFamily="34" charset="0"/>
+                      </a:endParaRPr>
+                    </a:p>
+                  </a:txBody>
+                  <a:tcPr marL="4210" marR="4210" marT="4210" marB="0" anchor="b"/>
+                </a:tc>
+                <a:tc>
+                  <a:txBody>
+                    <a:bodyPr/>
+                    <a:lstStyle/>
+                    <a:p>
+                      <a:pPr algn="l" fontAlgn="b"/>
+                      <a:endParaRPr lang="en-US" sz="1000" b="0" i="0" u="none" strike="noStrike">
+                        <a:solidFill>
+                          <a:srgbClr val="000000"/>
+                        </a:solidFill>
+                        <a:effectLst/>
+                        <a:latin typeface="Calibri" panose="020F0502020204030204" pitchFamily="34" charset="0"/>
+                      </a:endParaRPr>
+                    </a:p>
+                  </a:txBody>
+                  <a:tcPr marL="4210" marR="4210" marT="4210" marB="0" anchor="b"/>
+                </a:tc>
+                <a:extLst>
+                  <a:ext uri="{0D108BD9-81ED-4DB2-BD59-A6C34878D82A}">
+                    <a16:rowId xmlns:a16="http://schemas.microsoft.com/office/drawing/2014/main" val="2040769702"/>
+                  </a:ext>
+                </a:extLst>
+              </a:tr>
+              <a:tr h="141178">
+                <a:tc>
+                  <a:txBody>
+                    <a:bodyPr/>
+                    <a:lstStyle/>
+                    <a:p>
+                      <a:pPr algn="l" fontAlgn="b"/>
+                      <a:r>
+                        <a:rPr lang="en-US" sz="1000" u="none" strike="noStrike">
+                          <a:effectLst/>
+                        </a:rPr>
+                        <a:t>ROUGE-1</a:t>
+                      </a:r>
+                      <a:endParaRPr lang="en-US" sz="1000" b="0" i="0" u="none" strike="noStrike">
+                        <a:solidFill>
+                          <a:srgbClr val="000000"/>
+                        </a:solidFill>
+                        <a:effectLst/>
+                        <a:latin typeface="Calibri" panose="020F0502020204030204" pitchFamily="34" charset="0"/>
+                      </a:endParaRPr>
+                    </a:p>
+                  </a:txBody>
+                  <a:tcPr marL="4210" marR="4210" marT="4210" marB="0" anchor="b"/>
+                </a:tc>
+                <a:tc>
+                  <a:txBody>
+                    <a:bodyPr/>
+                    <a:lstStyle/>
+                    <a:p>
+                      <a:pPr algn="l" fontAlgn="b"/>
+                      <a:r>
+                        <a:rPr lang="en-US" sz="1000" u="none" strike="noStrike">
+                          <a:effectLst/>
+                        </a:rPr>
+                        <a:t>Text Rank Output.txt</a:t>
+                      </a:r>
+                      <a:endParaRPr lang="en-US" sz="1000" b="0" i="0" u="none" strike="noStrike">
+                        <a:solidFill>
+                          <a:srgbClr val="000000"/>
+                        </a:solidFill>
+                        <a:effectLst/>
+                        <a:latin typeface="Calibri" panose="020F0502020204030204" pitchFamily="34" charset="0"/>
+                      </a:endParaRPr>
+                    </a:p>
+                  </a:txBody>
+                  <a:tcPr marL="4210" marR="4210" marT="4210" marB="0" anchor="b"/>
+                </a:tc>
+                <a:tc>
+                  <a:txBody>
+                    <a:bodyPr/>
+                    <a:lstStyle/>
+                    <a:p>
+                      <a:pPr algn="r" fontAlgn="b"/>
+                      <a:r>
+                        <a:rPr lang="en-US" sz="1000" u="none" strike="noStrike">
+                          <a:effectLst/>
+                        </a:rPr>
+                        <a:t>0.07081</a:t>
+                      </a:r>
+                      <a:endParaRPr lang="en-US" sz="1000" b="0" i="0" u="none" strike="noStrike">
+                        <a:solidFill>
+                          <a:srgbClr val="000000"/>
+                        </a:solidFill>
+                        <a:effectLst/>
+                        <a:latin typeface="Calibri" panose="020F0502020204030204" pitchFamily="34" charset="0"/>
+                      </a:endParaRPr>
+                    </a:p>
+                  </a:txBody>
+                  <a:tcPr marL="4210" marR="4210" marT="4210" marB="0" anchor="b"/>
+                </a:tc>
+                <a:tc>
+                  <a:txBody>
+                    <a:bodyPr/>
+                    <a:lstStyle/>
+                    <a:p>
+                      <a:pPr algn="r" fontAlgn="b"/>
+                      <a:r>
+                        <a:rPr lang="en-US" sz="1000" u="none" strike="noStrike">
+                          <a:effectLst/>
+                        </a:rPr>
+                        <a:t>0.99065</a:t>
+                      </a:r>
+                      <a:endParaRPr lang="en-US" sz="1000" b="0" i="0" u="none" strike="noStrike">
+                        <a:solidFill>
+                          <a:srgbClr val="000000"/>
+                        </a:solidFill>
+                        <a:effectLst/>
+                        <a:latin typeface="Calibri" panose="020F0502020204030204" pitchFamily="34" charset="0"/>
+                      </a:endParaRPr>
+                    </a:p>
+                  </a:txBody>
+                  <a:tcPr marL="4210" marR="4210" marT="4210" marB="0" anchor="b"/>
+                </a:tc>
+                <a:tc>
+                  <a:txBody>
+                    <a:bodyPr/>
+                    <a:lstStyle/>
+                    <a:p>
+                      <a:pPr algn="r" fontAlgn="b"/>
+                      <a:r>
+                        <a:rPr lang="en-US" sz="1000" u="none" strike="noStrike">
+                          <a:effectLst/>
+                        </a:rPr>
+                        <a:t>0.13217</a:t>
+                      </a:r>
+                      <a:endParaRPr lang="en-US" sz="1000" b="0" i="0" u="none" strike="noStrike">
+                        <a:solidFill>
+                          <a:srgbClr val="000000"/>
+                        </a:solidFill>
+                        <a:effectLst/>
+                        <a:latin typeface="Calibri" panose="020F0502020204030204" pitchFamily="34" charset="0"/>
+                      </a:endParaRPr>
+                    </a:p>
+                  </a:txBody>
+                  <a:tcPr marL="4210" marR="4210" marT="4210" marB="0" anchor="b"/>
+                </a:tc>
+                <a:tc>
+                  <a:txBody>
+                    <a:bodyPr/>
+                    <a:lstStyle/>
+                    <a:p>
+                      <a:pPr algn="r" fontAlgn="b"/>
+                      <a:r>
+                        <a:rPr lang="en-US" sz="1000" u="none" strike="noStrike">
+                          <a:effectLst/>
+                        </a:rPr>
+                        <a:t>3</a:t>
+                      </a:r>
+                      <a:endParaRPr lang="en-US" sz="1000" b="0" i="0" u="none" strike="noStrike">
+                        <a:solidFill>
+                          <a:srgbClr val="000000"/>
+                        </a:solidFill>
+                        <a:effectLst/>
+                        <a:latin typeface="Calibri" panose="020F0502020204030204" pitchFamily="34" charset="0"/>
+                      </a:endParaRPr>
+                    </a:p>
+                  </a:txBody>
+                  <a:tcPr marL="4210" marR="4210" marT="4210" marB="0" anchor="b"/>
+                </a:tc>
+                <a:extLst>
+                  <a:ext uri="{0D108BD9-81ED-4DB2-BD59-A6C34878D82A}">
+                    <a16:rowId xmlns:a16="http://schemas.microsoft.com/office/drawing/2014/main" val="1598629709"/>
+                  </a:ext>
+                </a:extLst>
+              </a:tr>
+              <a:tr h="278560">
+                <a:tc>
+                  <a:txBody>
+                    <a:bodyPr/>
+                    <a:lstStyle/>
+                    <a:p>
+                      <a:pPr algn="l" fontAlgn="b"/>
+                      <a:r>
+                        <a:rPr lang="en-US" sz="1000" u="none" strike="noStrike">
+                          <a:effectLst/>
+                        </a:rPr>
+                        <a:t>ROUGE-1</a:t>
+                      </a:r>
+                      <a:endParaRPr lang="en-US" sz="1000" b="0" i="0" u="none" strike="noStrike">
+                        <a:solidFill>
+                          <a:srgbClr val="000000"/>
+                        </a:solidFill>
+                        <a:effectLst/>
+                        <a:latin typeface="Calibri" panose="020F0502020204030204" pitchFamily="34" charset="0"/>
+                      </a:endParaRPr>
+                    </a:p>
+                  </a:txBody>
+                  <a:tcPr marL="4210" marR="4210" marT="4210" marB="0" anchor="b"/>
+                </a:tc>
+                <a:tc>
+                  <a:txBody>
+                    <a:bodyPr/>
+                    <a:lstStyle/>
+                    <a:p>
+                      <a:pPr algn="l" fontAlgn="b"/>
+                      <a:r>
+                        <a:rPr lang="en-US" sz="1000" u="none" strike="noStrike">
+                          <a:effectLst/>
+                        </a:rPr>
+                        <a:t>Presidents-speech-summarization.txt</a:t>
+                      </a:r>
+                      <a:endParaRPr lang="en-US" sz="1000" b="0" i="0" u="none" strike="noStrike">
+                        <a:solidFill>
+                          <a:srgbClr val="000000"/>
+                        </a:solidFill>
+                        <a:effectLst/>
+                        <a:latin typeface="Calibri" panose="020F0502020204030204" pitchFamily="34" charset="0"/>
+                      </a:endParaRPr>
+                    </a:p>
+                  </a:txBody>
+                  <a:tcPr marL="4210" marR="4210" marT="4210" marB="0" anchor="b"/>
+                </a:tc>
+                <a:tc>
+                  <a:txBody>
+                    <a:bodyPr/>
+                    <a:lstStyle/>
+                    <a:p>
+                      <a:pPr algn="r" fontAlgn="b"/>
+                      <a:r>
+                        <a:rPr lang="en-US" sz="1000" u="none" strike="noStrike">
+                          <a:effectLst/>
+                        </a:rPr>
+                        <a:t>0.08484</a:t>
+                      </a:r>
+                      <a:endParaRPr lang="en-US" sz="1000" b="0" i="0" u="none" strike="noStrike">
+                        <a:solidFill>
+                          <a:srgbClr val="000000"/>
+                        </a:solidFill>
+                        <a:effectLst/>
+                        <a:latin typeface="Calibri" panose="020F0502020204030204" pitchFamily="34" charset="0"/>
+                      </a:endParaRPr>
+                    </a:p>
+                  </a:txBody>
+                  <a:tcPr marL="4210" marR="4210" marT="4210" marB="0" anchor="b"/>
+                </a:tc>
+                <a:tc>
+                  <a:txBody>
+                    <a:bodyPr/>
+                    <a:lstStyle/>
+                    <a:p>
+                      <a:pPr algn="r" fontAlgn="b"/>
+                      <a:r>
+                        <a:rPr lang="en-US" sz="1000" u="none" strike="noStrike">
+                          <a:effectLst/>
+                        </a:rPr>
+                        <a:t>1</a:t>
+                      </a:r>
+                      <a:endParaRPr lang="en-US" sz="1000" b="0" i="0" u="none" strike="noStrike">
+                        <a:solidFill>
+                          <a:srgbClr val="000000"/>
+                        </a:solidFill>
+                        <a:effectLst/>
+                        <a:latin typeface="Calibri" panose="020F0502020204030204" pitchFamily="34" charset="0"/>
+                      </a:endParaRPr>
+                    </a:p>
+                  </a:txBody>
+                  <a:tcPr marL="4210" marR="4210" marT="4210" marB="0" anchor="b"/>
+                </a:tc>
+                <a:tc>
+                  <a:txBody>
+                    <a:bodyPr/>
+                    <a:lstStyle/>
+                    <a:p>
+                      <a:pPr algn="r" fontAlgn="b"/>
+                      <a:r>
+                        <a:rPr lang="en-US" sz="1000" u="none" strike="noStrike">
+                          <a:effectLst/>
+                        </a:rPr>
+                        <a:t>0.1564</a:t>
+                      </a:r>
+                      <a:endParaRPr lang="en-US" sz="1000" b="0" i="0" u="none" strike="noStrike">
+                        <a:solidFill>
+                          <a:srgbClr val="000000"/>
+                        </a:solidFill>
+                        <a:effectLst/>
+                        <a:latin typeface="Calibri" panose="020F0502020204030204" pitchFamily="34" charset="0"/>
+                      </a:endParaRPr>
+                    </a:p>
+                  </a:txBody>
+                  <a:tcPr marL="4210" marR="4210" marT="4210" marB="0" anchor="b"/>
+                </a:tc>
+                <a:tc>
+                  <a:txBody>
+                    <a:bodyPr/>
+                    <a:lstStyle/>
+                    <a:p>
+                      <a:pPr algn="r" fontAlgn="b"/>
+                      <a:r>
+                        <a:rPr lang="en-US" sz="1000" u="none" strike="noStrike">
+                          <a:effectLst/>
+                        </a:rPr>
+                        <a:t>3</a:t>
+                      </a:r>
+                      <a:endParaRPr lang="en-US" sz="1000" b="0" i="0" u="none" strike="noStrike">
+                        <a:solidFill>
+                          <a:srgbClr val="000000"/>
+                        </a:solidFill>
+                        <a:effectLst/>
+                        <a:latin typeface="Calibri" panose="020F0502020204030204" pitchFamily="34" charset="0"/>
+                      </a:endParaRPr>
+                    </a:p>
+                  </a:txBody>
+                  <a:tcPr marL="4210" marR="4210" marT="4210" marB="0" anchor="b"/>
+                </a:tc>
+                <a:extLst>
+                  <a:ext uri="{0D108BD9-81ED-4DB2-BD59-A6C34878D82A}">
+                    <a16:rowId xmlns:a16="http://schemas.microsoft.com/office/drawing/2014/main" val="2426722235"/>
+                  </a:ext>
+                </a:extLst>
+              </a:tr>
+              <a:tr h="141178">
+                <a:tc>
+                  <a:txBody>
+                    <a:bodyPr/>
+                    <a:lstStyle/>
+                    <a:p>
+                      <a:pPr algn="l" fontAlgn="b"/>
+                      <a:r>
+                        <a:rPr lang="en-US" sz="1000" u="none" strike="noStrike">
+                          <a:effectLst/>
+                        </a:rPr>
+                        <a:t>ROUGE-1</a:t>
+                      </a:r>
+                      <a:endParaRPr lang="en-US" sz="1000" b="0" i="0" u="none" strike="noStrike">
+                        <a:solidFill>
+                          <a:srgbClr val="000000"/>
+                        </a:solidFill>
+                        <a:effectLst/>
+                        <a:latin typeface="Calibri" panose="020F0502020204030204" pitchFamily="34" charset="0"/>
+                      </a:endParaRPr>
+                    </a:p>
+                  </a:txBody>
+                  <a:tcPr marL="4210" marR="4210" marT="4210" marB="0" anchor="b"/>
+                </a:tc>
+                <a:tc>
+                  <a:txBody>
+                    <a:bodyPr/>
+                    <a:lstStyle/>
+                    <a:p>
+                      <a:pPr algn="l" fontAlgn="b"/>
+                      <a:r>
+                        <a:rPr lang="en-US" sz="1000" u="none" strike="noStrike">
+                          <a:effectLst/>
+                        </a:rPr>
+                        <a:t>lstm_extensions.txt</a:t>
+                      </a:r>
+                      <a:endParaRPr lang="en-US" sz="1000" b="0" i="0" u="none" strike="noStrike">
+                        <a:solidFill>
+                          <a:srgbClr val="000000"/>
+                        </a:solidFill>
+                        <a:effectLst/>
+                        <a:latin typeface="Calibri" panose="020F0502020204030204" pitchFamily="34" charset="0"/>
+                      </a:endParaRPr>
+                    </a:p>
+                  </a:txBody>
+                  <a:tcPr marL="4210" marR="4210" marT="4210" marB="0" anchor="b"/>
+                </a:tc>
+                <a:tc>
+                  <a:txBody>
+                    <a:bodyPr/>
+                    <a:lstStyle/>
+                    <a:p>
+                      <a:pPr algn="r" fontAlgn="b"/>
+                      <a:r>
+                        <a:rPr lang="en-US" sz="1000" u="none" strike="noStrike">
+                          <a:effectLst/>
+                        </a:rPr>
+                        <a:t>0.1149</a:t>
+                      </a:r>
+                      <a:endParaRPr lang="en-US" sz="1000" b="0" i="0" u="none" strike="noStrike">
+                        <a:solidFill>
+                          <a:srgbClr val="000000"/>
+                        </a:solidFill>
+                        <a:effectLst/>
+                        <a:latin typeface="Calibri" panose="020F0502020204030204" pitchFamily="34" charset="0"/>
+                      </a:endParaRPr>
+                    </a:p>
+                  </a:txBody>
+                  <a:tcPr marL="4210" marR="4210" marT="4210" marB="0" anchor="b"/>
+                </a:tc>
+                <a:tc>
+                  <a:txBody>
+                    <a:bodyPr/>
+                    <a:lstStyle/>
+                    <a:p>
+                      <a:pPr algn="r" fontAlgn="b"/>
+                      <a:r>
+                        <a:rPr lang="en-US" sz="1000" u="none" strike="noStrike">
+                          <a:effectLst/>
+                        </a:rPr>
+                        <a:t>0.84729</a:t>
+                      </a:r>
+                      <a:endParaRPr lang="en-US" sz="1000" b="0" i="0" u="none" strike="noStrike">
+                        <a:solidFill>
+                          <a:srgbClr val="000000"/>
+                        </a:solidFill>
+                        <a:effectLst/>
+                        <a:latin typeface="Calibri" panose="020F0502020204030204" pitchFamily="34" charset="0"/>
+                      </a:endParaRPr>
+                    </a:p>
+                  </a:txBody>
+                  <a:tcPr marL="4210" marR="4210" marT="4210" marB="0" anchor="b"/>
+                </a:tc>
+                <a:tc>
+                  <a:txBody>
+                    <a:bodyPr/>
+                    <a:lstStyle/>
+                    <a:p>
+                      <a:pPr algn="r" fontAlgn="b"/>
+                      <a:r>
+                        <a:rPr lang="en-US" sz="1000" u="none" strike="noStrike">
+                          <a:effectLst/>
+                        </a:rPr>
+                        <a:t>0.20235</a:t>
+                      </a:r>
+                      <a:endParaRPr lang="en-US" sz="1000" b="0" i="0" u="none" strike="noStrike">
+                        <a:solidFill>
+                          <a:srgbClr val="000000"/>
+                        </a:solidFill>
+                        <a:effectLst/>
+                        <a:latin typeface="Calibri" panose="020F0502020204030204" pitchFamily="34" charset="0"/>
+                      </a:endParaRPr>
+                    </a:p>
+                  </a:txBody>
+                  <a:tcPr marL="4210" marR="4210" marT="4210" marB="0" anchor="b"/>
+                </a:tc>
+                <a:tc>
+                  <a:txBody>
+                    <a:bodyPr/>
+                    <a:lstStyle/>
+                    <a:p>
+                      <a:pPr algn="r" fontAlgn="b"/>
+                      <a:r>
+                        <a:rPr lang="en-US" sz="1000" u="none" strike="noStrike">
+                          <a:effectLst/>
+                        </a:rPr>
+                        <a:t>3</a:t>
+                      </a:r>
+                      <a:endParaRPr lang="en-US" sz="1000" b="0" i="0" u="none" strike="noStrike">
+                        <a:solidFill>
+                          <a:srgbClr val="000000"/>
+                        </a:solidFill>
+                        <a:effectLst/>
+                        <a:latin typeface="Calibri" panose="020F0502020204030204" pitchFamily="34" charset="0"/>
+                      </a:endParaRPr>
+                    </a:p>
+                  </a:txBody>
+                  <a:tcPr marL="4210" marR="4210" marT="4210" marB="0" anchor="b"/>
+                </a:tc>
+                <a:extLst>
+                  <a:ext uri="{0D108BD9-81ED-4DB2-BD59-A6C34878D82A}">
+                    <a16:rowId xmlns:a16="http://schemas.microsoft.com/office/drawing/2014/main" val="749081627"/>
+                  </a:ext>
+                </a:extLst>
+              </a:tr>
+              <a:tr h="141178">
+                <a:tc>
+                  <a:txBody>
+                    <a:bodyPr/>
+                    <a:lstStyle/>
+                    <a:p>
+                      <a:pPr algn="l" fontAlgn="b"/>
+                      <a:endParaRPr lang="en-US" sz="1000" b="0" i="0" u="none" strike="noStrike">
+                        <a:solidFill>
+                          <a:srgbClr val="000000"/>
+                        </a:solidFill>
+                        <a:effectLst/>
+                        <a:latin typeface="Calibri" panose="020F0502020204030204" pitchFamily="34" charset="0"/>
+                      </a:endParaRPr>
+                    </a:p>
+                  </a:txBody>
+                  <a:tcPr marL="4210" marR="4210" marT="4210" marB="0" anchor="b"/>
+                </a:tc>
+                <a:tc>
+                  <a:txBody>
+                    <a:bodyPr/>
+                    <a:lstStyle/>
+                    <a:p>
+                      <a:pPr algn="l" fontAlgn="b"/>
+                      <a:endParaRPr lang="en-US" sz="1000" b="0" i="0" u="none" strike="noStrike">
+                        <a:solidFill>
+                          <a:srgbClr val="000000"/>
+                        </a:solidFill>
+                        <a:effectLst/>
+                        <a:latin typeface="Calibri" panose="020F0502020204030204" pitchFamily="34" charset="0"/>
+                      </a:endParaRPr>
+                    </a:p>
+                  </a:txBody>
+                  <a:tcPr marL="4210" marR="4210" marT="4210" marB="0" anchor="b"/>
+                </a:tc>
+                <a:tc>
+                  <a:txBody>
+                    <a:bodyPr/>
+                    <a:lstStyle/>
+                    <a:p>
+                      <a:pPr algn="l" fontAlgn="b"/>
+                      <a:endParaRPr lang="en-US" sz="1000" b="0" i="0" u="none" strike="noStrike">
+                        <a:solidFill>
+                          <a:srgbClr val="000000"/>
+                        </a:solidFill>
+                        <a:effectLst/>
+                        <a:latin typeface="Calibri" panose="020F0502020204030204" pitchFamily="34" charset="0"/>
+                      </a:endParaRPr>
+                    </a:p>
+                  </a:txBody>
+                  <a:tcPr marL="4210" marR="4210" marT="4210" marB="0" anchor="b"/>
+                </a:tc>
+                <a:tc>
+                  <a:txBody>
+                    <a:bodyPr/>
+                    <a:lstStyle/>
+                    <a:p>
+                      <a:pPr algn="l" fontAlgn="b"/>
+                      <a:endParaRPr lang="en-US" sz="1000" b="0" i="0" u="none" strike="noStrike">
+                        <a:solidFill>
+                          <a:srgbClr val="000000"/>
+                        </a:solidFill>
+                        <a:effectLst/>
+                        <a:latin typeface="Calibri" panose="020F0502020204030204" pitchFamily="34" charset="0"/>
+                      </a:endParaRPr>
+                    </a:p>
+                  </a:txBody>
+                  <a:tcPr marL="4210" marR="4210" marT="4210" marB="0" anchor="b"/>
+                </a:tc>
+                <a:tc>
+                  <a:txBody>
+                    <a:bodyPr/>
+                    <a:lstStyle/>
+                    <a:p>
+                      <a:pPr algn="l" fontAlgn="b"/>
+                      <a:endParaRPr lang="en-US" sz="1000" b="0" i="0" u="none" strike="noStrike">
+                        <a:solidFill>
+                          <a:srgbClr val="000000"/>
+                        </a:solidFill>
+                        <a:effectLst/>
+                        <a:latin typeface="Calibri" panose="020F0502020204030204" pitchFamily="34" charset="0"/>
+                      </a:endParaRPr>
+                    </a:p>
+                  </a:txBody>
+                  <a:tcPr marL="4210" marR="4210" marT="4210" marB="0" anchor="b"/>
+                </a:tc>
+                <a:tc>
+                  <a:txBody>
+                    <a:bodyPr/>
+                    <a:lstStyle/>
+                    <a:p>
+                      <a:pPr algn="l" fontAlgn="b"/>
+                      <a:endParaRPr lang="en-US" sz="1000" b="0" i="0" u="none" strike="noStrike">
+                        <a:solidFill>
+                          <a:srgbClr val="000000"/>
+                        </a:solidFill>
+                        <a:effectLst/>
+                        <a:latin typeface="Calibri" panose="020F0502020204030204" pitchFamily="34" charset="0"/>
+                      </a:endParaRPr>
+                    </a:p>
+                  </a:txBody>
+                  <a:tcPr marL="4210" marR="4210" marT="4210" marB="0" anchor="b"/>
+                </a:tc>
+                <a:extLst>
+                  <a:ext uri="{0D108BD9-81ED-4DB2-BD59-A6C34878D82A}">
+                    <a16:rowId xmlns:a16="http://schemas.microsoft.com/office/drawing/2014/main" val="3951523254"/>
+                  </a:ext>
+                </a:extLst>
+              </a:tr>
+              <a:tr h="141178">
+                <a:tc>
+                  <a:txBody>
+                    <a:bodyPr/>
+                    <a:lstStyle/>
+                    <a:p>
+                      <a:pPr algn="l" fontAlgn="b"/>
+                      <a:r>
+                        <a:rPr lang="en-US" sz="1000" u="none" strike="noStrike">
+                          <a:effectLst/>
+                        </a:rPr>
+                        <a:t>ROUGE-2</a:t>
+                      </a:r>
+                      <a:endParaRPr lang="en-US" sz="1000" b="0" i="0" u="none" strike="noStrike">
+                        <a:solidFill>
+                          <a:srgbClr val="000000"/>
+                        </a:solidFill>
+                        <a:effectLst/>
+                        <a:latin typeface="Calibri" panose="020F0502020204030204" pitchFamily="34" charset="0"/>
+                      </a:endParaRPr>
+                    </a:p>
+                  </a:txBody>
+                  <a:tcPr marL="4210" marR="4210" marT="4210" marB="0" anchor="b"/>
+                </a:tc>
+                <a:tc>
+                  <a:txBody>
+                    <a:bodyPr/>
+                    <a:lstStyle/>
+                    <a:p>
+                      <a:pPr algn="l" fontAlgn="b"/>
+                      <a:r>
+                        <a:rPr lang="en-US" sz="1000" u="none" strike="noStrike">
+                          <a:effectLst/>
+                        </a:rPr>
+                        <a:t>Text Rank Output.txt</a:t>
+                      </a:r>
+                      <a:endParaRPr lang="en-US" sz="1000" b="0" i="0" u="none" strike="noStrike">
+                        <a:solidFill>
+                          <a:srgbClr val="000000"/>
+                        </a:solidFill>
+                        <a:effectLst/>
+                        <a:latin typeface="Calibri" panose="020F0502020204030204" pitchFamily="34" charset="0"/>
+                      </a:endParaRPr>
+                    </a:p>
+                  </a:txBody>
+                  <a:tcPr marL="4210" marR="4210" marT="4210" marB="0" anchor="b"/>
+                </a:tc>
+                <a:tc>
+                  <a:txBody>
+                    <a:bodyPr/>
+                    <a:lstStyle/>
+                    <a:p>
+                      <a:pPr algn="r" fontAlgn="b"/>
+                      <a:r>
+                        <a:rPr lang="en-US" sz="1000" u="none" strike="noStrike">
+                          <a:effectLst/>
+                        </a:rPr>
+                        <a:t>0.06695</a:t>
+                      </a:r>
+                      <a:endParaRPr lang="en-US" sz="1000" b="0" i="0" u="none" strike="noStrike">
+                        <a:solidFill>
+                          <a:srgbClr val="000000"/>
+                        </a:solidFill>
+                        <a:effectLst/>
+                        <a:latin typeface="Calibri" panose="020F0502020204030204" pitchFamily="34" charset="0"/>
+                      </a:endParaRPr>
+                    </a:p>
+                  </a:txBody>
+                  <a:tcPr marL="4210" marR="4210" marT="4210" marB="0" anchor="b"/>
+                </a:tc>
+                <a:tc>
+                  <a:txBody>
+                    <a:bodyPr/>
+                    <a:lstStyle/>
+                    <a:p>
+                      <a:pPr algn="r" fontAlgn="b"/>
+                      <a:r>
+                        <a:rPr lang="en-US" sz="1000" u="none" strike="noStrike">
+                          <a:effectLst/>
+                        </a:rPr>
+                        <a:t>0.96</a:t>
+                      </a:r>
+                      <a:endParaRPr lang="en-US" sz="1000" b="0" i="0" u="none" strike="noStrike">
+                        <a:solidFill>
+                          <a:srgbClr val="000000"/>
+                        </a:solidFill>
+                        <a:effectLst/>
+                        <a:latin typeface="Calibri" panose="020F0502020204030204" pitchFamily="34" charset="0"/>
+                      </a:endParaRPr>
+                    </a:p>
+                  </a:txBody>
+                  <a:tcPr marL="4210" marR="4210" marT="4210" marB="0" anchor="b"/>
+                </a:tc>
+                <a:tc>
+                  <a:txBody>
+                    <a:bodyPr/>
+                    <a:lstStyle/>
+                    <a:p>
+                      <a:pPr algn="r" fontAlgn="b"/>
+                      <a:r>
+                        <a:rPr lang="en-US" sz="1000" u="none" strike="noStrike">
+                          <a:effectLst/>
+                        </a:rPr>
+                        <a:t>0.12516</a:t>
+                      </a:r>
+                      <a:endParaRPr lang="en-US" sz="1000" b="0" i="0" u="none" strike="noStrike">
+                        <a:solidFill>
+                          <a:srgbClr val="000000"/>
+                        </a:solidFill>
+                        <a:effectLst/>
+                        <a:latin typeface="Calibri" panose="020F0502020204030204" pitchFamily="34" charset="0"/>
+                      </a:endParaRPr>
+                    </a:p>
+                  </a:txBody>
+                  <a:tcPr marL="4210" marR="4210" marT="4210" marB="0" anchor="b"/>
+                </a:tc>
+                <a:tc>
+                  <a:txBody>
+                    <a:bodyPr/>
+                    <a:lstStyle/>
+                    <a:p>
+                      <a:pPr algn="r" fontAlgn="b"/>
+                      <a:r>
+                        <a:rPr lang="en-US" sz="1000" u="none" strike="noStrike">
+                          <a:effectLst/>
+                        </a:rPr>
+                        <a:t>3</a:t>
+                      </a:r>
+                      <a:endParaRPr lang="en-US" sz="1000" b="0" i="0" u="none" strike="noStrike">
+                        <a:solidFill>
+                          <a:srgbClr val="000000"/>
+                        </a:solidFill>
+                        <a:effectLst/>
+                        <a:latin typeface="Calibri" panose="020F0502020204030204" pitchFamily="34" charset="0"/>
+                      </a:endParaRPr>
+                    </a:p>
+                  </a:txBody>
+                  <a:tcPr marL="4210" marR="4210" marT="4210" marB="0" anchor="b"/>
+                </a:tc>
+                <a:extLst>
+                  <a:ext uri="{0D108BD9-81ED-4DB2-BD59-A6C34878D82A}">
+                    <a16:rowId xmlns:a16="http://schemas.microsoft.com/office/drawing/2014/main" val="2165513971"/>
+                  </a:ext>
+                </a:extLst>
+              </a:tr>
+              <a:tr h="278560">
+                <a:tc>
+                  <a:txBody>
+                    <a:bodyPr/>
+                    <a:lstStyle/>
+                    <a:p>
+                      <a:pPr algn="l" fontAlgn="b"/>
+                      <a:r>
+                        <a:rPr lang="en-US" sz="1000" u="none" strike="noStrike">
+                          <a:effectLst/>
+                        </a:rPr>
+                        <a:t>ROUGE-2</a:t>
+                      </a:r>
+                      <a:endParaRPr lang="en-US" sz="1000" b="0" i="0" u="none" strike="noStrike">
+                        <a:solidFill>
+                          <a:srgbClr val="000000"/>
+                        </a:solidFill>
+                        <a:effectLst/>
+                        <a:latin typeface="Calibri" panose="020F0502020204030204" pitchFamily="34" charset="0"/>
+                      </a:endParaRPr>
+                    </a:p>
+                  </a:txBody>
+                  <a:tcPr marL="4210" marR="4210" marT="4210" marB="0" anchor="b"/>
+                </a:tc>
+                <a:tc>
+                  <a:txBody>
+                    <a:bodyPr/>
+                    <a:lstStyle/>
+                    <a:p>
+                      <a:pPr algn="l" fontAlgn="b"/>
+                      <a:r>
+                        <a:rPr lang="en-US" sz="1000" u="none" strike="noStrike">
+                          <a:effectLst/>
+                        </a:rPr>
+                        <a:t>Presidents-speech-summarization.txt</a:t>
+                      </a:r>
+                      <a:endParaRPr lang="en-US" sz="1000" b="0" i="0" u="none" strike="noStrike">
+                        <a:solidFill>
+                          <a:srgbClr val="000000"/>
+                        </a:solidFill>
+                        <a:effectLst/>
+                        <a:latin typeface="Calibri" panose="020F0502020204030204" pitchFamily="34" charset="0"/>
+                      </a:endParaRPr>
+                    </a:p>
+                  </a:txBody>
+                  <a:tcPr marL="4210" marR="4210" marT="4210" marB="0" anchor="b"/>
+                </a:tc>
+                <a:tc>
+                  <a:txBody>
+                    <a:bodyPr/>
+                    <a:lstStyle/>
+                    <a:p>
+                      <a:pPr algn="r" fontAlgn="b"/>
+                      <a:r>
+                        <a:rPr lang="en-US" sz="1000" u="none" strike="noStrike">
+                          <a:effectLst/>
+                        </a:rPr>
+                        <a:t>0.08438</a:t>
+                      </a:r>
+                      <a:endParaRPr lang="en-US" sz="1000" b="0" i="0" u="none" strike="noStrike">
+                        <a:solidFill>
+                          <a:srgbClr val="000000"/>
+                        </a:solidFill>
+                        <a:effectLst/>
+                        <a:latin typeface="Calibri" panose="020F0502020204030204" pitchFamily="34" charset="0"/>
+                      </a:endParaRPr>
+                    </a:p>
+                  </a:txBody>
+                  <a:tcPr marL="4210" marR="4210" marT="4210" marB="0" anchor="b"/>
+                </a:tc>
+                <a:tc>
+                  <a:txBody>
+                    <a:bodyPr/>
+                    <a:lstStyle/>
+                    <a:p>
+                      <a:pPr algn="r" fontAlgn="b"/>
+                      <a:r>
+                        <a:rPr lang="en-US" sz="1000" u="none" strike="noStrike">
+                          <a:effectLst/>
+                        </a:rPr>
+                        <a:t>0.96032</a:t>
+                      </a:r>
+                      <a:endParaRPr lang="en-US" sz="1000" b="0" i="0" u="none" strike="noStrike">
+                        <a:solidFill>
+                          <a:srgbClr val="000000"/>
+                        </a:solidFill>
+                        <a:effectLst/>
+                        <a:latin typeface="Calibri" panose="020F0502020204030204" pitchFamily="34" charset="0"/>
+                      </a:endParaRPr>
+                    </a:p>
+                  </a:txBody>
+                  <a:tcPr marL="4210" marR="4210" marT="4210" marB="0" anchor="b"/>
+                </a:tc>
+                <a:tc>
+                  <a:txBody>
+                    <a:bodyPr/>
+                    <a:lstStyle/>
+                    <a:p>
+                      <a:pPr algn="r" fontAlgn="b"/>
+                      <a:r>
+                        <a:rPr lang="en-US" sz="1000" u="none" strike="noStrike">
+                          <a:effectLst/>
+                        </a:rPr>
+                        <a:t>0.15513</a:t>
+                      </a:r>
+                      <a:endParaRPr lang="en-US" sz="1000" b="0" i="0" u="none" strike="noStrike">
+                        <a:solidFill>
+                          <a:srgbClr val="000000"/>
+                        </a:solidFill>
+                        <a:effectLst/>
+                        <a:latin typeface="Calibri" panose="020F0502020204030204" pitchFamily="34" charset="0"/>
+                      </a:endParaRPr>
+                    </a:p>
+                  </a:txBody>
+                  <a:tcPr marL="4210" marR="4210" marT="4210" marB="0" anchor="b"/>
+                </a:tc>
+                <a:tc>
+                  <a:txBody>
+                    <a:bodyPr/>
+                    <a:lstStyle/>
+                    <a:p>
+                      <a:pPr algn="r" fontAlgn="b"/>
+                      <a:r>
+                        <a:rPr lang="en-US" sz="1000" u="none" strike="noStrike">
+                          <a:effectLst/>
+                        </a:rPr>
+                        <a:t>3</a:t>
+                      </a:r>
+                      <a:endParaRPr lang="en-US" sz="1000" b="0" i="0" u="none" strike="noStrike">
+                        <a:solidFill>
+                          <a:srgbClr val="000000"/>
+                        </a:solidFill>
+                        <a:effectLst/>
+                        <a:latin typeface="Calibri" panose="020F0502020204030204" pitchFamily="34" charset="0"/>
+                      </a:endParaRPr>
+                    </a:p>
+                  </a:txBody>
+                  <a:tcPr marL="4210" marR="4210" marT="4210" marB="0" anchor="b"/>
+                </a:tc>
+                <a:extLst>
+                  <a:ext uri="{0D108BD9-81ED-4DB2-BD59-A6C34878D82A}">
+                    <a16:rowId xmlns:a16="http://schemas.microsoft.com/office/drawing/2014/main" val="3221896199"/>
+                  </a:ext>
+                </a:extLst>
+              </a:tr>
+              <a:tr h="141178">
+                <a:tc>
+                  <a:txBody>
+                    <a:bodyPr/>
+                    <a:lstStyle/>
+                    <a:p>
+                      <a:pPr algn="l" fontAlgn="b"/>
+                      <a:r>
+                        <a:rPr lang="en-US" sz="1000" u="none" strike="noStrike">
+                          <a:effectLst/>
+                        </a:rPr>
+                        <a:t>ROUGE-2</a:t>
+                      </a:r>
+                      <a:endParaRPr lang="en-US" sz="1000" b="0" i="0" u="none" strike="noStrike">
+                        <a:solidFill>
+                          <a:srgbClr val="000000"/>
+                        </a:solidFill>
+                        <a:effectLst/>
+                        <a:latin typeface="Calibri" panose="020F0502020204030204" pitchFamily="34" charset="0"/>
+                      </a:endParaRPr>
+                    </a:p>
+                  </a:txBody>
+                  <a:tcPr marL="4210" marR="4210" marT="4210" marB="0" anchor="b"/>
+                </a:tc>
+                <a:tc>
+                  <a:txBody>
+                    <a:bodyPr/>
+                    <a:lstStyle/>
+                    <a:p>
+                      <a:pPr algn="l" fontAlgn="b"/>
+                      <a:r>
+                        <a:rPr lang="en-US" sz="1000" u="none" strike="noStrike">
+                          <a:effectLst/>
+                        </a:rPr>
+                        <a:t>lstm_extensions.txt</a:t>
+                      </a:r>
+                      <a:endParaRPr lang="en-US" sz="1000" b="0" i="0" u="none" strike="noStrike">
+                        <a:solidFill>
+                          <a:srgbClr val="000000"/>
+                        </a:solidFill>
+                        <a:effectLst/>
+                        <a:latin typeface="Calibri" panose="020F0502020204030204" pitchFamily="34" charset="0"/>
+                      </a:endParaRPr>
+                    </a:p>
+                  </a:txBody>
+                  <a:tcPr marL="4210" marR="4210" marT="4210" marB="0" anchor="b"/>
+                </a:tc>
+                <a:tc>
+                  <a:txBody>
+                    <a:bodyPr/>
+                    <a:lstStyle/>
+                    <a:p>
+                      <a:pPr algn="r" fontAlgn="b"/>
+                      <a:r>
+                        <a:rPr lang="en-US" sz="1000" u="none" strike="noStrike">
+                          <a:effectLst/>
+                        </a:rPr>
+                        <a:t>0.05509</a:t>
+                      </a:r>
+                      <a:endParaRPr lang="en-US" sz="1000" b="0" i="0" u="none" strike="noStrike">
+                        <a:solidFill>
+                          <a:srgbClr val="000000"/>
+                        </a:solidFill>
+                        <a:effectLst/>
+                        <a:latin typeface="Calibri" panose="020F0502020204030204" pitchFamily="34" charset="0"/>
+                      </a:endParaRPr>
+                    </a:p>
+                  </a:txBody>
+                  <a:tcPr marL="4210" marR="4210" marT="4210" marB="0" anchor="b"/>
+                </a:tc>
+                <a:tc>
+                  <a:txBody>
+                    <a:bodyPr/>
+                    <a:lstStyle/>
+                    <a:p>
+                      <a:pPr algn="r" fontAlgn="b"/>
+                      <a:r>
+                        <a:rPr lang="en-US" sz="1000" u="none" strike="noStrike">
+                          <a:effectLst/>
+                        </a:rPr>
+                        <a:t>0.39109</a:t>
+                      </a:r>
+                      <a:endParaRPr lang="en-US" sz="1000" b="0" i="0" u="none" strike="noStrike">
+                        <a:solidFill>
+                          <a:srgbClr val="000000"/>
+                        </a:solidFill>
+                        <a:effectLst/>
+                        <a:latin typeface="Calibri" panose="020F0502020204030204" pitchFamily="34" charset="0"/>
+                      </a:endParaRPr>
+                    </a:p>
+                  </a:txBody>
+                  <a:tcPr marL="4210" marR="4210" marT="4210" marB="0" anchor="b"/>
+                </a:tc>
+                <a:tc>
+                  <a:txBody>
+                    <a:bodyPr/>
+                    <a:lstStyle/>
+                    <a:p>
+                      <a:pPr algn="r" fontAlgn="b"/>
+                      <a:r>
+                        <a:rPr lang="en-US" sz="1000" u="none" strike="noStrike">
+                          <a:effectLst/>
+                        </a:rPr>
+                        <a:t>0.09658</a:t>
+                      </a:r>
+                      <a:endParaRPr lang="en-US" sz="1000" b="0" i="0" u="none" strike="noStrike">
+                        <a:solidFill>
+                          <a:srgbClr val="000000"/>
+                        </a:solidFill>
+                        <a:effectLst/>
+                        <a:latin typeface="Calibri" panose="020F0502020204030204" pitchFamily="34" charset="0"/>
+                      </a:endParaRPr>
+                    </a:p>
+                  </a:txBody>
+                  <a:tcPr marL="4210" marR="4210" marT="4210" marB="0" anchor="b"/>
+                </a:tc>
+                <a:tc>
+                  <a:txBody>
+                    <a:bodyPr/>
+                    <a:lstStyle/>
+                    <a:p>
+                      <a:pPr algn="r" fontAlgn="b"/>
+                      <a:r>
+                        <a:rPr lang="en-US" sz="1000" u="none" strike="noStrike">
+                          <a:effectLst/>
+                        </a:rPr>
+                        <a:t>3</a:t>
+                      </a:r>
+                      <a:endParaRPr lang="en-US" sz="1000" b="0" i="0" u="none" strike="noStrike">
+                        <a:solidFill>
+                          <a:srgbClr val="000000"/>
+                        </a:solidFill>
+                        <a:effectLst/>
+                        <a:latin typeface="Calibri" panose="020F0502020204030204" pitchFamily="34" charset="0"/>
+                      </a:endParaRPr>
+                    </a:p>
+                  </a:txBody>
+                  <a:tcPr marL="4210" marR="4210" marT="4210" marB="0" anchor="b"/>
+                </a:tc>
+                <a:extLst>
+                  <a:ext uri="{0D108BD9-81ED-4DB2-BD59-A6C34878D82A}">
+                    <a16:rowId xmlns:a16="http://schemas.microsoft.com/office/drawing/2014/main" val="2139375665"/>
+                  </a:ext>
+                </a:extLst>
+              </a:tr>
+              <a:tr h="141178">
+                <a:tc>
+                  <a:txBody>
+                    <a:bodyPr/>
+                    <a:lstStyle/>
+                    <a:p>
+                      <a:pPr algn="l" fontAlgn="b"/>
+                      <a:endParaRPr lang="en-US" sz="1000" b="0" i="0" u="none" strike="noStrike">
+                        <a:solidFill>
+                          <a:srgbClr val="000000"/>
+                        </a:solidFill>
+                        <a:effectLst/>
+                        <a:latin typeface="Calibri" panose="020F0502020204030204" pitchFamily="34" charset="0"/>
+                      </a:endParaRPr>
+                    </a:p>
+                  </a:txBody>
+                  <a:tcPr marL="4210" marR="4210" marT="4210" marB="0" anchor="b"/>
+                </a:tc>
+                <a:tc>
+                  <a:txBody>
+                    <a:bodyPr/>
+                    <a:lstStyle/>
+                    <a:p>
+                      <a:pPr algn="l" fontAlgn="b"/>
+                      <a:endParaRPr lang="en-US" sz="1000" b="0" i="0" u="none" strike="noStrike">
+                        <a:solidFill>
+                          <a:srgbClr val="000000"/>
+                        </a:solidFill>
+                        <a:effectLst/>
+                        <a:latin typeface="Calibri" panose="020F0502020204030204" pitchFamily="34" charset="0"/>
+                      </a:endParaRPr>
+                    </a:p>
+                  </a:txBody>
+                  <a:tcPr marL="4210" marR="4210" marT="4210" marB="0" anchor="b"/>
+                </a:tc>
+                <a:tc>
+                  <a:txBody>
+                    <a:bodyPr/>
+                    <a:lstStyle/>
+                    <a:p>
+                      <a:pPr algn="l" fontAlgn="b"/>
+                      <a:endParaRPr lang="en-US" sz="1000" b="0" i="0" u="none" strike="noStrike">
+                        <a:solidFill>
+                          <a:srgbClr val="000000"/>
+                        </a:solidFill>
+                        <a:effectLst/>
+                        <a:latin typeface="Calibri" panose="020F0502020204030204" pitchFamily="34" charset="0"/>
+                      </a:endParaRPr>
+                    </a:p>
+                  </a:txBody>
+                  <a:tcPr marL="4210" marR="4210" marT="4210" marB="0" anchor="b"/>
+                </a:tc>
+                <a:tc>
+                  <a:txBody>
+                    <a:bodyPr/>
+                    <a:lstStyle/>
+                    <a:p>
+                      <a:pPr algn="l" fontAlgn="b"/>
+                      <a:endParaRPr lang="en-US" sz="1000" b="0" i="0" u="none" strike="noStrike">
+                        <a:solidFill>
+                          <a:srgbClr val="000000"/>
+                        </a:solidFill>
+                        <a:effectLst/>
+                        <a:latin typeface="Calibri" panose="020F0502020204030204" pitchFamily="34" charset="0"/>
+                      </a:endParaRPr>
+                    </a:p>
+                  </a:txBody>
+                  <a:tcPr marL="4210" marR="4210" marT="4210" marB="0" anchor="b"/>
+                </a:tc>
+                <a:tc>
+                  <a:txBody>
+                    <a:bodyPr/>
+                    <a:lstStyle/>
+                    <a:p>
+                      <a:pPr algn="l" fontAlgn="b"/>
+                      <a:endParaRPr lang="en-US" sz="1000" b="0" i="0" u="none" strike="noStrike">
+                        <a:solidFill>
+                          <a:srgbClr val="000000"/>
+                        </a:solidFill>
+                        <a:effectLst/>
+                        <a:latin typeface="Calibri" panose="020F0502020204030204" pitchFamily="34" charset="0"/>
+                      </a:endParaRPr>
+                    </a:p>
+                  </a:txBody>
+                  <a:tcPr marL="4210" marR="4210" marT="4210" marB="0" anchor="b"/>
+                </a:tc>
+                <a:tc>
+                  <a:txBody>
+                    <a:bodyPr/>
+                    <a:lstStyle/>
+                    <a:p>
+                      <a:pPr algn="l" fontAlgn="b"/>
+                      <a:endParaRPr lang="en-US" sz="1000" b="0" i="0" u="none" strike="noStrike">
+                        <a:solidFill>
+                          <a:srgbClr val="000000"/>
+                        </a:solidFill>
+                        <a:effectLst/>
+                        <a:latin typeface="Calibri" panose="020F0502020204030204" pitchFamily="34" charset="0"/>
+                      </a:endParaRPr>
+                    </a:p>
+                  </a:txBody>
+                  <a:tcPr marL="4210" marR="4210" marT="4210" marB="0" anchor="b"/>
+                </a:tc>
+                <a:extLst>
+                  <a:ext uri="{0D108BD9-81ED-4DB2-BD59-A6C34878D82A}">
+                    <a16:rowId xmlns:a16="http://schemas.microsoft.com/office/drawing/2014/main" val="2117276395"/>
+                  </a:ext>
+                </a:extLst>
+              </a:tr>
+              <a:tr h="141178">
+                <a:tc>
+                  <a:txBody>
+                    <a:bodyPr/>
+                    <a:lstStyle/>
+                    <a:p>
+                      <a:pPr algn="l" fontAlgn="b"/>
+                      <a:r>
+                        <a:rPr lang="en-US" sz="1000" u="none" strike="noStrike">
+                          <a:effectLst/>
+                        </a:rPr>
+                        <a:t>ROUGE-SU4</a:t>
+                      </a:r>
+                      <a:endParaRPr lang="en-US" sz="1000" b="0" i="0" u="none" strike="noStrike">
+                        <a:solidFill>
+                          <a:srgbClr val="000000"/>
+                        </a:solidFill>
+                        <a:effectLst/>
+                        <a:latin typeface="Calibri" panose="020F0502020204030204" pitchFamily="34" charset="0"/>
+                      </a:endParaRPr>
+                    </a:p>
+                  </a:txBody>
+                  <a:tcPr marL="4210" marR="4210" marT="4210" marB="0" anchor="b"/>
+                </a:tc>
+                <a:tc>
+                  <a:txBody>
+                    <a:bodyPr/>
+                    <a:lstStyle/>
+                    <a:p>
+                      <a:pPr algn="l" fontAlgn="b"/>
+                      <a:r>
+                        <a:rPr lang="en-US" sz="1000" u="none" strike="noStrike">
+                          <a:effectLst/>
+                        </a:rPr>
+                        <a:t>Text Rank Output.txt</a:t>
+                      </a:r>
+                      <a:endParaRPr lang="en-US" sz="1000" b="0" i="0" u="none" strike="noStrike">
+                        <a:solidFill>
+                          <a:srgbClr val="000000"/>
+                        </a:solidFill>
+                        <a:effectLst/>
+                        <a:latin typeface="Calibri" panose="020F0502020204030204" pitchFamily="34" charset="0"/>
+                      </a:endParaRPr>
+                    </a:p>
+                  </a:txBody>
+                  <a:tcPr marL="4210" marR="4210" marT="4210" marB="0" anchor="b"/>
+                </a:tc>
+                <a:tc>
+                  <a:txBody>
+                    <a:bodyPr/>
+                    <a:lstStyle/>
+                    <a:p>
+                      <a:pPr algn="r" fontAlgn="b"/>
+                      <a:r>
+                        <a:rPr lang="en-US" sz="1000" u="none" strike="noStrike">
+                          <a:effectLst/>
+                        </a:rPr>
+                        <a:t>0.05851</a:t>
+                      </a:r>
+                      <a:endParaRPr lang="en-US" sz="1000" b="0" i="0" u="none" strike="noStrike">
+                        <a:solidFill>
+                          <a:srgbClr val="000000"/>
+                        </a:solidFill>
+                        <a:effectLst/>
+                        <a:latin typeface="Calibri" panose="020F0502020204030204" pitchFamily="34" charset="0"/>
+                      </a:endParaRPr>
+                    </a:p>
+                  </a:txBody>
+                  <a:tcPr marL="4210" marR="4210" marT="4210" marB="0" anchor="b"/>
+                </a:tc>
+                <a:tc>
+                  <a:txBody>
+                    <a:bodyPr/>
+                    <a:lstStyle/>
+                    <a:p>
+                      <a:pPr algn="r" fontAlgn="b"/>
+                      <a:r>
+                        <a:rPr lang="en-US" sz="1000" u="none" strike="noStrike">
+                          <a:effectLst/>
+                        </a:rPr>
+                        <a:t>0.86373</a:t>
+                      </a:r>
+                      <a:endParaRPr lang="en-US" sz="1000" b="0" i="0" u="none" strike="noStrike">
+                        <a:solidFill>
+                          <a:srgbClr val="000000"/>
+                        </a:solidFill>
+                        <a:effectLst/>
+                        <a:latin typeface="Calibri" panose="020F0502020204030204" pitchFamily="34" charset="0"/>
+                      </a:endParaRPr>
+                    </a:p>
+                  </a:txBody>
+                  <a:tcPr marL="4210" marR="4210" marT="4210" marB="0" anchor="b"/>
+                </a:tc>
+                <a:tc>
+                  <a:txBody>
+                    <a:bodyPr/>
+                    <a:lstStyle/>
+                    <a:p>
+                      <a:pPr algn="r" fontAlgn="b"/>
+                      <a:r>
+                        <a:rPr lang="en-US" sz="1000" u="none" strike="noStrike">
+                          <a:effectLst/>
+                        </a:rPr>
+                        <a:t>0.1096</a:t>
+                      </a:r>
+                      <a:endParaRPr lang="en-US" sz="1000" b="0" i="0" u="none" strike="noStrike">
+                        <a:solidFill>
+                          <a:srgbClr val="000000"/>
+                        </a:solidFill>
+                        <a:effectLst/>
+                        <a:latin typeface="Calibri" panose="020F0502020204030204" pitchFamily="34" charset="0"/>
+                      </a:endParaRPr>
+                    </a:p>
+                  </a:txBody>
+                  <a:tcPr marL="4210" marR="4210" marT="4210" marB="0" anchor="b"/>
+                </a:tc>
+                <a:tc>
+                  <a:txBody>
+                    <a:bodyPr/>
+                    <a:lstStyle/>
+                    <a:p>
+                      <a:pPr algn="r" fontAlgn="b"/>
+                      <a:r>
+                        <a:rPr lang="en-US" sz="1000" u="none" strike="noStrike">
+                          <a:effectLst/>
+                        </a:rPr>
+                        <a:t>3</a:t>
+                      </a:r>
+                      <a:endParaRPr lang="en-US" sz="1000" b="0" i="0" u="none" strike="noStrike">
+                        <a:solidFill>
+                          <a:srgbClr val="000000"/>
+                        </a:solidFill>
+                        <a:effectLst/>
+                        <a:latin typeface="Calibri" panose="020F0502020204030204" pitchFamily="34" charset="0"/>
+                      </a:endParaRPr>
+                    </a:p>
+                  </a:txBody>
+                  <a:tcPr marL="4210" marR="4210" marT="4210" marB="0" anchor="b"/>
+                </a:tc>
+                <a:extLst>
+                  <a:ext uri="{0D108BD9-81ED-4DB2-BD59-A6C34878D82A}">
+                    <a16:rowId xmlns:a16="http://schemas.microsoft.com/office/drawing/2014/main" val="596952840"/>
+                  </a:ext>
+                </a:extLst>
+              </a:tr>
+              <a:tr h="278560">
+                <a:tc>
+                  <a:txBody>
+                    <a:bodyPr/>
+                    <a:lstStyle/>
+                    <a:p>
+                      <a:pPr algn="l" fontAlgn="b"/>
+                      <a:r>
+                        <a:rPr lang="en-US" sz="1000" u="none" strike="noStrike">
+                          <a:effectLst/>
+                        </a:rPr>
+                        <a:t>ROUGE-SU4</a:t>
+                      </a:r>
+                      <a:endParaRPr lang="en-US" sz="1000" b="0" i="0" u="none" strike="noStrike">
+                        <a:solidFill>
+                          <a:srgbClr val="000000"/>
+                        </a:solidFill>
+                        <a:effectLst/>
+                        <a:latin typeface="Calibri" panose="020F0502020204030204" pitchFamily="34" charset="0"/>
+                      </a:endParaRPr>
+                    </a:p>
+                  </a:txBody>
+                  <a:tcPr marL="4210" marR="4210" marT="4210" marB="0" anchor="b"/>
+                </a:tc>
+                <a:tc>
+                  <a:txBody>
+                    <a:bodyPr/>
+                    <a:lstStyle/>
+                    <a:p>
+                      <a:pPr algn="l" fontAlgn="b"/>
+                      <a:r>
+                        <a:rPr lang="en-US" sz="1000" u="none" strike="noStrike">
+                          <a:effectLst/>
+                        </a:rPr>
+                        <a:t>Presidents-speech-summarization.txt</a:t>
+                      </a:r>
+                      <a:endParaRPr lang="en-US" sz="1000" b="0" i="0" u="none" strike="noStrike">
+                        <a:solidFill>
+                          <a:srgbClr val="000000"/>
+                        </a:solidFill>
+                        <a:effectLst/>
+                        <a:latin typeface="Calibri" panose="020F0502020204030204" pitchFamily="34" charset="0"/>
+                      </a:endParaRPr>
+                    </a:p>
+                  </a:txBody>
+                  <a:tcPr marL="4210" marR="4210" marT="4210" marB="0" anchor="b"/>
+                </a:tc>
+                <a:tc>
+                  <a:txBody>
+                    <a:bodyPr/>
+                    <a:lstStyle/>
+                    <a:p>
+                      <a:pPr algn="r" fontAlgn="b"/>
+                      <a:r>
+                        <a:rPr lang="en-US" sz="1000" u="none" strike="noStrike">
+                          <a:effectLst/>
+                        </a:rPr>
+                        <a:t>0.08237</a:t>
+                      </a:r>
+                      <a:endParaRPr lang="en-US" sz="1000" b="0" i="0" u="none" strike="noStrike">
+                        <a:solidFill>
+                          <a:srgbClr val="000000"/>
+                        </a:solidFill>
+                        <a:effectLst/>
+                        <a:latin typeface="Calibri" panose="020F0502020204030204" pitchFamily="34" charset="0"/>
+                      </a:endParaRPr>
+                    </a:p>
+                  </a:txBody>
+                  <a:tcPr marL="4210" marR="4210" marT="4210" marB="0" anchor="b"/>
+                </a:tc>
+                <a:tc>
+                  <a:txBody>
+                    <a:bodyPr/>
+                    <a:lstStyle/>
+                    <a:p>
+                      <a:pPr algn="r" fontAlgn="b"/>
+                      <a:r>
+                        <a:rPr lang="en-US" sz="1000" u="none" strike="noStrike">
+                          <a:effectLst/>
+                        </a:rPr>
+                        <a:t>0.928</a:t>
+                      </a:r>
+                      <a:endParaRPr lang="en-US" sz="1000" b="0" i="0" u="none" strike="noStrike">
+                        <a:solidFill>
+                          <a:srgbClr val="000000"/>
+                        </a:solidFill>
+                        <a:effectLst/>
+                        <a:latin typeface="Calibri" panose="020F0502020204030204" pitchFamily="34" charset="0"/>
+                      </a:endParaRPr>
+                    </a:p>
+                  </a:txBody>
+                  <a:tcPr marL="4210" marR="4210" marT="4210" marB="0" anchor="b"/>
+                </a:tc>
+                <a:tc>
+                  <a:txBody>
+                    <a:bodyPr/>
+                    <a:lstStyle/>
+                    <a:p>
+                      <a:pPr algn="r" fontAlgn="b"/>
+                      <a:r>
+                        <a:rPr lang="en-US" sz="1000" u="none" strike="noStrike">
+                          <a:effectLst/>
+                        </a:rPr>
+                        <a:t>0.15132</a:t>
+                      </a:r>
+                      <a:endParaRPr lang="en-US" sz="1000" b="0" i="0" u="none" strike="noStrike">
+                        <a:solidFill>
+                          <a:srgbClr val="000000"/>
+                        </a:solidFill>
+                        <a:effectLst/>
+                        <a:latin typeface="Calibri" panose="020F0502020204030204" pitchFamily="34" charset="0"/>
+                      </a:endParaRPr>
+                    </a:p>
+                  </a:txBody>
+                  <a:tcPr marL="4210" marR="4210" marT="4210" marB="0" anchor="b"/>
+                </a:tc>
+                <a:tc>
+                  <a:txBody>
+                    <a:bodyPr/>
+                    <a:lstStyle/>
+                    <a:p>
+                      <a:pPr algn="r" fontAlgn="b"/>
+                      <a:r>
+                        <a:rPr lang="en-US" sz="1000" u="none" strike="noStrike">
+                          <a:effectLst/>
+                        </a:rPr>
+                        <a:t>3</a:t>
+                      </a:r>
+                      <a:endParaRPr lang="en-US" sz="1000" b="0" i="0" u="none" strike="noStrike">
+                        <a:solidFill>
+                          <a:srgbClr val="000000"/>
+                        </a:solidFill>
+                        <a:effectLst/>
+                        <a:latin typeface="Calibri" panose="020F0502020204030204" pitchFamily="34" charset="0"/>
+                      </a:endParaRPr>
+                    </a:p>
+                  </a:txBody>
+                  <a:tcPr marL="4210" marR="4210" marT="4210" marB="0" anchor="b"/>
+                </a:tc>
+                <a:extLst>
+                  <a:ext uri="{0D108BD9-81ED-4DB2-BD59-A6C34878D82A}">
+                    <a16:rowId xmlns:a16="http://schemas.microsoft.com/office/drawing/2014/main" val="976232952"/>
+                  </a:ext>
+                </a:extLst>
+              </a:tr>
+              <a:tr h="141178">
+                <a:tc>
+                  <a:txBody>
+                    <a:bodyPr/>
+                    <a:lstStyle/>
+                    <a:p>
+                      <a:pPr algn="l" fontAlgn="b"/>
+                      <a:r>
+                        <a:rPr lang="en-US" sz="1000" u="none" strike="noStrike">
+                          <a:effectLst/>
+                        </a:rPr>
+                        <a:t>ROUGE-SU4</a:t>
+                      </a:r>
+                      <a:endParaRPr lang="en-US" sz="1000" b="0" i="0" u="none" strike="noStrike">
+                        <a:solidFill>
+                          <a:srgbClr val="000000"/>
+                        </a:solidFill>
+                        <a:effectLst/>
+                        <a:latin typeface="Calibri" panose="020F0502020204030204" pitchFamily="34" charset="0"/>
+                      </a:endParaRPr>
+                    </a:p>
+                  </a:txBody>
+                  <a:tcPr marL="4210" marR="4210" marT="4210" marB="0" anchor="b"/>
+                </a:tc>
+                <a:tc>
+                  <a:txBody>
+                    <a:bodyPr/>
+                    <a:lstStyle/>
+                    <a:p>
+                      <a:pPr algn="l" fontAlgn="b"/>
+                      <a:r>
+                        <a:rPr lang="en-US" sz="1000" u="none" strike="noStrike">
+                          <a:effectLst/>
+                        </a:rPr>
+                        <a:t>lstm_extensions.txt</a:t>
+                      </a:r>
+                      <a:endParaRPr lang="en-US" sz="1000" b="0" i="0" u="none" strike="noStrike">
+                        <a:solidFill>
+                          <a:srgbClr val="000000"/>
+                        </a:solidFill>
+                        <a:effectLst/>
+                        <a:latin typeface="Calibri" panose="020F0502020204030204" pitchFamily="34" charset="0"/>
+                      </a:endParaRPr>
+                    </a:p>
+                  </a:txBody>
+                  <a:tcPr marL="4210" marR="4210" marT="4210" marB="0" anchor="b"/>
+                </a:tc>
+                <a:tc>
+                  <a:txBody>
+                    <a:bodyPr/>
+                    <a:lstStyle/>
+                    <a:p>
+                      <a:pPr algn="r" fontAlgn="b"/>
+                      <a:r>
+                        <a:rPr lang="en-US" sz="1000" u="none" strike="noStrike">
+                          <a:effectLst/>
+                        </a:rPr>
+                        <a:t>0.06604</a:t>
+                      </a:r>
+                      <a:endParaRPr lang="en-US" sz="1000" b="0" i="0" u="none" strike="noStrike">
+                        <a:solidFill>
+                          <a:srgbClr val="000000"/>
+                        </a:solidFill>
+                        <a:effectLst/>
+                        <a:latin typeface="Calibri" panose="020F0502020204030204" pitchFamily="34" charset="0"/>
+                      </a:endParaRPr>
+                    </a:p>
+                  </a:txBody>
+                  <a:tcPr marL="4210" marR="4210" marT="4210" marB="0" anchor="b"/>
+                </a:tc>
+                <a:tc>
+                  <a:txBody>
+                    <a:bodyPr/>
+                    <a:lstStyle/>
+                    <a:p>
+                      <a:pPr algn="r" fontAlgn="b"/>
+                      <a:r>
+                        <a:rPr lang="en-US" sz="1000" u="none" strike="noStrike">
+                          <a:effectLst/>
+                        </a:rPr>
+                        <a:t>0.46269</a:t>
+                      </a:r>
+                      <a:endParaRPr lang="en-US" sz="1000" b="0" i="0" u="none" strike="noStrike">
+                        <a:solidFill>
+                          <a:srgbClr val="000000"/>
+                        </a:solidFill>
+                        <a:effectLst/>
+                        <a:latin typeface="Calibri" panose="020F0502020204030204" pitchFamily="34" charset="0"/>
+                      </a:endParaRPr>
+                    </a:p>
+                  </a:txBody>
+                  <a:tcPr marL="4210" marR="4210" marT="4210" marB="0" anchor="b"/>
+                </a:tc>
+                <a:tc>
+                  <a:txBody>
+                    <a:bodyPr/>
+                    <a:lstStyle/>
+                    <a:p>
+                      <a:pPr algn="r" fontAlgn="b"/>
+                      <a:r>
+                        <a:rPr lang="en-US" sz="1000" u="none" strike="noStrike">
+                          <a:effectLst/>
+                        </a:rPr>
+                        <a:t>0.11559</a:t>
+                      </a:r>
+                      <a:endParaRPr lang="en-US" sz="1000" b="0" i="0" u="none" strike="noStrike">
+                        <a:solidFill>
+                          <a:srgbClr val="000000"/>
+                        </a:solidFill>
+                        <a:effectLst/>
+                        <a:latin typeface="Calibri" panose="020F0502020204030204" pitchFamily="34" charset="0"/>
+                      </a:endParaRPr>
+                    </a:p>
+                  </a:txBody>
+                  <a:tcPr marL="4210" marR="4210" marT="4210" marB="0" anchor="b"/>
+                </a:tc>
+                <a:tc>
+                  <a:txBody>
+                    <a:bodyPr/>
+                    <a:lstStyle/>
+                    <a:p>
+                      <a:pPr algn="r" fontAlgn="b"/>
+                      <a:r>
+                        <a:rPr lang="en-US" sz="1000" u="none" strike="noStrike" dirty="0">
+                          <a:effectLst/>
+                        </a:rPr>
+                        <a:t>3</a:t>
+                      </a:r>
+                      <a:endParaRPr lang="en-US" sz="1000" b="0" i="0" u="none" strike="noStrike" dirty="0">
+                        <a:solidFill>
+                          <a:srgbClr val="000000"/>
+                        </a:solidFill>
+                        <a:effectLst/>
+                        <a:latin typeface="Calibri" panose="020F0502020204030204" pitchFamily="34" charset="0"/>
+                      </a:endParaRPr>
+                    </a:p>
+                  </a:txBody>
+                  <a:tcPr marL="4210" marR="4210" marT="4210" marB="0" anchor="b"/>
+                </a:tc>
+                <a:extLst>
+                  <a:ext uri="{0D108BD9-81ED-4DB2-BD59-A6C34878D82A}">
+                    <a16:rowId xmlns:a16="http://schemas.microsoft.com/office/drawing/2014/main" val="2176735577"/>
+                  </a:ext>
+                </a:extLst>
+              </a:tr>
+            </a:tbl>
+          </a:graphicData>
+        </a:graphic>
+      </p:graphicFrame>
     </p:spTree>
     <p:extLst>
       <p:ext uri="{BB962C8B-B14F-4D97-AF65-F5344CB8AC3E}">
-        <p14:creationId xmlns:p14="http://schemas.microsoft.com/office/powerpoint/2010/main" val="2819100928"/>
+        <p14:creationId xmlns:p14="http://schemas.microsoft.com/office/powerpoint/2010/main" val="3265701079"/>
       </p:ext>
     </p:extLst>
   </p:cSld>
@@ -20370,6 +22865,347 @@
 </file>
 
 <file path=ppt/slides/slide11.xml><?xml version="1.0" encoding="utf-8"?>
+<p:sld xmlns:a="http://schemas.openxmlformats.org/drawingml/2006/main" xmlns:r="http://schemas.openxmlformats.org/officeDocument/2006/relationships" xmlns:p="http://schemas.openxmlformats.org/presentationml/2006/main">
+  <p:cSld>
+    <p:bg>
+      <p:bgPr>
+        <a:solidFill>
+          <a:schemeClr val="lt1"/>
+        </a:solidFill>
+        <a:effectLst/>
+      </p:bgPr>
+    </p:bg>
+    <p:spTree>
+      <p:nvGrpSpPr>
+        <p:cNvPr id="1" name="Shape 273"/>
+        <p:cNvGrpSpPr/>
+        <p:nvPr/>
+      </p:nvGrpSpPr>
+      <p:grpSpPr>
+        <a:xfrm>
+          <a:off x="0" y="0"/>
+          <a:ext cx="0" cy="0"/>
+          <a:chOff x="0" y="0"/>
+          <a:chExt cx="0" cy="0"/>
+        </a:xfrm>
+      </p:grpSpPr>
+      <p:sp>
+        <p:nvSpPr>
+          <p:cNvPr id="274" name="Google Shape;274;p41"/>
+          <p:cNvSpPr/>
+          <p:nvPr/>
+        </p:nvSpPr>
+        <p:spPr>
+          <a:xfrm>
+            <a:off x="241173" y="240030"/>
+            <a:ext cx="8661654" cy="4574957"/>
+          </a:xfrm>
+          <a:prstGeom prst="rect">
+            <a:avLst/>
+          </a:prstGeom>
+          <a:solidFill>
+            <a:schemeClr val="dk1">
+              <a:alpha val="7843"/>
+            </a:schemeClr>
+          </a:solidFill>
+          <a:ln>
+            <a:noFill/>
+          </a:ln>
+        </p:spPr>
+        <p:txBody>
+          <a:bodyPr spcFirstLastPara="1" wrap="square" lIns="68575" tIns="34275" rIns="68575" bIns="34275" anchor="ctr" anchorCtr="0">
+            <a:noAutofit/>
+          </a:bodyPr>
+          <a:lstStyle/>
+          <a:p>
+            <a:pPr marL="0" marR="0" lvl="0" indent="0" algn="ctr" rtl="0">
+              <a:spcBef>
+                <a:spcPts val="0"/>
+              </a:spcBef>
+              <a:spcAft>
+                <a:spcPts val="0"/>
+              </a:spcAft>
+              <a:buNone/>
+            </a:pPr>
+            <a:endParaRPr sz="1400" b="0" i="0" u="none" strike="noStrike" cap="none" dirty="0">
+              <a:solidFill>
+                <a:schemeClr val="lt1"/>
+              </a:solidFill>
+              <a:latin typeface="Calibri"/>
+              <a:ea typeface="Calibri"/>
+              <a:cs typeface="Calibri"/>
+              <a:sym typeface="Calibri"/>
+            </a:endParaRPr>
+          </a:p>
+        </p:txBody>
+      </p:sp>
+      <p:sp>
+        <p:nvSpPr>
+          <p:cNvPr id="275" name="Google Shape;275;p41"/>
+          <p:cNvSpPr txBox="1">
+            <a:spLocks noGrp="1"/>
+          </p:cNvSpPr>
+          <p:nvPr>
+            <p:ph type="title"/>
+          </p:nvPr>
+        </p:nvSpPr>
+        <p:spPr>
+          <a:xfrm>
+            <a:off x="628650" y="722908"/>
+            <a:ext cx="2620771" cy="3697684"/>
+          </a:xfrm>
+          <a:prstGeom prst="rect">
+            <a:avLst/>
+          </a:prstGeom>
+          <a:noFill/>
+          <a:ln>
+            <a:noFill/>
+          </a:ln>
+        </p:spPr>
+        <p:txBody>
+          <a:bodyPr spcFirstLastPara="1" wrap="square" lIns="68575" tIns="34275" rIns="68575" bIns="34275" anchor="ctr" anchorCtr="0">
+            <a:noAutofit/>
+          </a:bodyPr>
+          <a:lstStyle/>
+          <a:p>
+            <a:pPr marL="0" lvl="0" indent="0" algn="r" rtl="0">
+              <a:lnSpc>
+                <a:spcPct val="90000"/>
+              </a:lnSpc>
+              <a:spcBef>
+                <a:spcPts val="0"/>
+              </a:spcBef>
+              <a:spcAft>
+                <a:spcPts val="0"/>
+              </a:spcAft>
+              <a:buClr>
+                <a:schemeClr val="accent1"/>
+              </a:buClr>
+              <a:buSzPts val="3300"/>
+              <a:buFont typeface="Calibri"/>
+              <a:buNone/>
+            </a:pPr>
+            <a:r>
+              <a:rPr lang="en" sz="1800" dirty="0">
+                <a:solidFill>
+                  <a:schemeClr val="accent1"/>
+                </a:solidFill>
+              </a:rPr>
+              <a:t>Conclusion</a:t>
+            </a:r>
+            <a:endParaRPr sz="1800" dirty="0"/>
+          </a:p>
+        </p:txBody>
+      </p:sp>
+      <p:cxnSp>
+        <p:nvCxnSpPr>
+          <p:cNvPr id="276" name="Google Shape;276;p41"/>
+          <p:cNvCxnSpPr/>
+          <p:nvPr/>
+        </p:nvCxnSpPr>
+        <p:spPr>
+          <a:xfrm>
+            <a:off x="3490722" y="1543050"/>
+            <a:ext cx="0" cy="2057400"/>
+          </a:xfrm>
+          <a:prstGeom prst="straightConnector1">
+            <a:avLst/>
+          </a:prstGeom>
+          <a:noFill/>
+          <a:ln w="19050" cap="flat" cmpd="sng">
+            <a:solidFill>
+              <a:srgbClr val="262626"/>
+            </a:solidFill>
+            <a:prstDash val="solid"/>
+            <a:miter lim="800000"/>
+            <a:headEnd type="none" w="sm" len="sm"/>
+            <a:tailEnd type="none" w="sm" len="sm"/>
+          </a:ln>
+        </p:spPr>
+      </p:cxnSp>
+      <p:sp>
+        <p:nvSpPr>
+          <p:cNvPr id="277" name="Google Shape;277;p41"/>
+          <p:cNvSpPr txBox="1">
+            <a:spLocks noGrp="1"/>
+          </p:cNvSpPr>
+          <p:nvPr>
+            <p:ph type="body" idx="1"/>
+          </p:nvPr>
+        </p:nvSpPr>
+        <p:spPr>
+          <a:xfrm>
+            <a:off x="3732023" y="722908"/>
+            <a:ext cx="4783327" cy="3697684"/>
+          </a:xfrm>
+          <a:prstGeom prst="rect">
+            <a:avLst/>
+          </a:prstGeom>
+          <a:noFill/>
+          <a:ln>
+            <a:noFill/>
+          </a:ln>
+        </p:spPr>
+        <p:txBody>
+          <a:bodyPr spcFirstLastPara="1" wrap="square" lIns="68575" tIns="34275" rIns="68575" bIns="34275" anchor="ctr" anchorCtr="0">
+            <a:noAutofit/>
+          </a:bodyPr>
+          <a:lstStyle/>
+          <a:p>
+            <a:pPr marL="0" lvl="0" indent="0" algn="l" rtl="0">
+              <a:spcBef>
+                <a:spcPts val="1000"/>
+              </a:spcBef>
+              <a:spcAft>
+                <a:spcPts val="0"/>
+              </a:spcAft>
+              <a:buClr>
+                <a:schemeClr val="dk1"/>
+              </a:buClr>
+              <a:buSzPts val="1100"/>
+              <a:buFont typeface="Arial"/>
+              <a:buNone/>
+            </a:pPr>
+            <a:r>
+              <a:rPr lang="en-US" sz="1800" dirty="0"/>
+              <a:t>Summarization is still a research subject and is </a:t>
+            </a:r>
+            <a:r>
+              <a:rPr lang="en-US" sz="1800"/>
+              <a:t>done  </a:t>
+            </a:r>
+            <a:r>
+              <a:rPr lang="en-US" sz="1800" dirty="0"/>
+              <a:t>using different techniques .There are lot of external dependencies for </a:t>
+            </a:r>
+            <a:r>
+              <a:rPr lang="en-US" sz="1800"/>
+              <a:t>the expected results</a:t>
+            </a:r>
+            <a:r>
+              <a:rPr lang="en-US" sz="1800" dirty="0"/>
+              <a:t>.  Modern techniques are improving but they are not there yet.</a:t>
+            </a:r>
+            <a:endParaRPr sz="1800" dirty="0"/>
+          </a:p>
+          <a:p>
+            <a:pPr marL="0" lvl="0" indent="0" algn="l" rtl="0">
+              <a:spcBef>
+                <a:spcPts val="1000"/>
+              </a:spcBef>
+              <a:spcAft>
+                <a:spcPts val="0"/>
+              </a:spcAft>
+              <a:buNone/>
+            </a:pPr>
+            <a:endParaRPr sz="1800" dirty="0"/>
+          </a:p>
+        </p:txBody>
+      </p:sp>
+      <p:sp>
+        <p:nvSpPr>
+          <p:cNvPr id="6" name="Date Placeholder 5">
+            <a:extLst>
+              <a:ext uri="{FF2B5EF4-FFF2-40B4-BE49-F238E27FC236}">
+                <a16:creationId xmlns:a16="http://schemas.microsoft.com/office/drawing/2014/main" id="{C7FC0069-7D31-4BC4-AC15-547E532074BD}"/>
+              </a:ext>
+            </a:extLst>
+          </p:cNvPr>
+          <p:cNvSpPr>
+            <a:spLocks noGrp="1"/>
+          </p:cNvSpPr>
+          <p:nvPr>
+            <p:ph type="dt" idx="10"/>
+          </p:nvPr>
+        </p:nvSpPr>
+        <p:spPr/>
+        <p:txBody>
+          <a:bodyPr/>
+          <a:lstStyle/>
+          <a:p>
+            <a:fld id="{34A9969B-49E3-4A7B-8829-484AF0E32894}" type="datetime2">
+              <a:rPr lang="en-US" smtClean="0"/>
+              <a:t>Thursday, August 15, 2019</a:t>
+            </a:fld>
+            <a:endParaRPr lang="en-US"/>
+          </a:p>
+        </p:txBody>
+      </p:sp>
+      <p:sp>
+        <p:nvSpPr>
+          <p:cNvPr id="7" name="Footer Placeholder 6">
+            <a:extLst>
+              <a:ext uri="{FF2B5EF4-FFF2-40B4-BE49-F238E27FC236}">
+                <a16:creationId xmlns:a16="http://schemas.microsoft.com/office/drawing/2014/main" id="{9C5DE00A-156A-444B-9DFA-69E277BF1002}"/>
+              </a:ext>
+            </a:extLst>
+          </p:cNvPr>
+          <p:cNvSpPr>
+            <a:spLocks noGrp="1"/>
+          </p:cNvSpPr>
+          <p:nvPr>
+            <p:ph type="ftr" idx="11"/>
+          </p:nvPr>
+        </p:nvSpPr>
+        <p:spPr/>
+        <p:txBody>
+          <a:bodyPr/>
+          <a:lstStyle/>
+          <a:p>
+            <a:r>
+              <a:rPr lang="it-IT"/>
+              <a:t>GWU_201902_Data Science Capstone_DATS_6501_10</a:t>
+            </a:r>
+          </a:p>
+        </p:txBody>
+      </p:sp>
+      <p:sp>
+        <p:nvSpPr>
+          <p:cNvPr id="8" name="Slide Number Placeholder 7">
+            <a:extLst>
+              <a:ext uri="{FF2B5EF4-FFF2-40B4-BE49-F238E27FC236}">
+                <a16:creationId xmlns:a16="http://schemas.microsoft.com/office/drawing/2014/main" id="{3E1ABBE0-F9DB-44EE-BFA4-804F88B37B66}"/>
+              </a:ext>
+            </a:extLst>
+          </p:cNvPr>
+          <p:cNvSpPr>
+            <a:spLocks noGrp="1"/>
+          </p:cNvSpPr>
+          <p:nvPr>
+            <p:ph type="sldNum" idx="12"/>
+          </p:nvPr>
+        </p:nvSpPr>
+        <p:spPr/>
+        <p:txBody>
+          <a:bodyPr/>
+          <a:lstStyle/>
+          <a:p>
+            <a:pPr marL="0" lvl="0" indent="0" algn="r" rtl="0">
+              <a:spcBef>
+                <a:spcPts val="0"/>
+              </a:spcBef>
+              <a:spcAft>
+                <a:spcPts val="0"/>
+              </a:spcAft>
+              <a:buNone/>
+            </a:pPr>
+            <a:fld id="{00000000-1234-1234-1234-123412341234}" type="slidenum">
+              <a:rPr lang="en" smtClean="0"/>
+              <a:t>11</a:t>
+            </a:fld>
+            <a:endParaRPr lang="en"/>
+          </a:p>
+        </p:txBody>
+      </p:sp>
+    </p:spTree>
+  </p:cSld>
+  <p:clrMapOvr>
+    <a:masterClrMapping/>
+  </p:clrMapOvr>
+</p:sld>
+</file>
+
+<file path=ppt/slides/slide12.xml><?xml version="1.0" encoding="utf-8"?>
 <p:sld xmlns:a="http://schemas.openxmlformats.org/drawingml/2006/main" xmlns:r="http://schemas.openxmlformats.org/officeDocument/2006/relationships" xmlns:p="http://schemas.openxmlformats.org/presentationml/2006/main">
   <p:cSld>
     <p:spTree>
@@ -20556,7 +23392,7 @@
           <a:p>
             <a:fld id="{FEB903B1-390D-4B20-A986-7E66DC016BEB}" type="datetime2">
               <a:rPr lang="en-US" smtClean="0"/>
-              <a:t>Thursday, July 18, 2019</a:t>
+              <a:t>Thursday, August 15, 2019</a:t>
             </a:fld>
             <a:endParaRPr lang="en-US"/>
           </a:p>
@@ -20622,12 +23458,429 @@
             </a:pPr>
             <a:fld id="{00000000-1234-1234-1234-123412341234}" type="slidenum">
               <a:rPr lang="en" smtClean="0"/>
-              <a:t>11</a:t>
+              <a:t>12</a:t>
             </a:fld>
             <a:endParaRPr lang="en"/>
           </a:p>
         </p:txBody>
       </p:sp>
+      <p:graphicFrame>
+        <p:nvGraphicFramePr>
+          <p:cNvPr id="2" name="Table 1">
+            <a:extLst>
+              <a:ext uri="{FF2B5EF4-FFF2-40B4-BE49-F238E27FC236}">
+                <a16:creationId xmlns:a16="http://schemas.microsoft.com/office/drawing/2014/main" id="{C7F5BC63-3370-473F-8227-19DDA2F0E017}"/>
+              </a:ext>
+            </a:extLst>
+          </p:cNvPr>
+          <p:cNvGraphicFramePr>
+            <a:graphicFrameLocks noGrp="1"/>
+          </p:cNvGraphicFramePr>
+          <p:nvPr>
+            <p:extLst>
+              <p:ext uri="{D42A27DB-BD31-4B8C-83A1-F6EECF244321}">
+                <p14:modId xmlns:p14="http://schemas.microsoft.com/office/powerpoint/2010/main" val="1171035290"/>
+              </p:ext>
+            </p:extLst>
+          </p:nvPr>
+        </p:nvGraphicFramePr>
+        <p:xfrm>
+          <a:off x="966355" y="1940718"/>
+          <a:ext cx="6795654" cy="2295970"/>
+        </p:xfrm>
+        <a:graphic>
+          <a:graphicData uri="http://schemas.openxmlformats.org/drawingml/2006/table">
+            <a:tbl>
+              <a:tblPr firstRow="1" firstCol="1" bandRow="1">
+                <a:tableStyleId>{2D5ABB26-0587-4C30-8999-92F81FD0307C}</a:tableStyleId>
+              </a:tblPr>
+              <a:tblGrid>
+                <a:gridCol w="6795654">
+                  <a:extLst>
+                    <a:ext uri="{9D8B030D-6E8A-4147-A177-3AD203B41FA5}">
+                      <a16:colId xmlns:a16="http://schemas.microsoft.com/office/drawing/2014/main" val="2423071114"/>
+                    </a:ext>
+                  </a:extLst>
+                </a:gridCol>
+              </a:tblGrid>
+              <a:tr h="0">
+                <a:tc>
+                  <a:txBody>
+                    <a:bodyPr/>
+                    <a:lstStyle/>
+                    <a:p>
+                      <a:pPr marL="0" marR="0">
+                        <a:lnSpc>
+                          <a:spcPct val="107000"/>
+                        </a:lnSpc>
+                        <a:spcBef>
+                          <a:spcPts val="0"/>
+                        </a:spcBef>
+                        <a:spcAft>
+                          <a:spcPts val="0"/>
+                        </a:spcAft>
+                      </a:pPr>
+                      <a:endParaRPr lang="en-US" sz="1100" u="sng" dirty="0">
+                        <a:solidFill>
+                          <a:schemeClr val="accent1"/>
+                        </a:solidFill>
+                        <a:effectLst/>
+                      </a:endParaRPr>
+                    </a:p>
+                    <a:p>
+                      <a:pPr marL="0" marR="0">
+                        <a:lnSpc>
+                          <a:spcPct val="107000"/>
+                        </a:lnSpc>
+                        <a:spcBef>
+                          <a:spcPts val="0"/>
+                        </a:spcBef>
+                        <a:spcAft>
+                          <a:spcPts val="0"/>
+                        </a:spcAft>
+                      </a:pPr>
+                      <a:r>
+                        <a:rPr lang="en-US" sz="1100" u="sng" dirty="0">
+                          <a:solidFill>
+                            <a:schemeClr val="accent1"/>
+                          </a:solidFill>
+                          <a:effectLst/>
+                        </a:rPr>
+                        <a:t>https://stanfordnlp.github.io/CoreNLP/tutorials.html</a:t>
+                      </a:r>
+                    </a:p>
+                    <a:p>
+                      <a:pPr marL="0" marR="0">
+                        <a:lnSpc>
+                          <a:spcPct val="107000"/>
+                        </a:lnSpc>
+                        <a:spcBef>
+                          <a:spcPts val="0"/>
+                        </a:spcBef>
+                        <a:spcAft>
+                          <a:spcPts val="0"/>
+                        </a:spcAft>
+                      </a:pPr>
+                      <a:endParaRPr lang="en-US" sz="1100" u="sng" dirty="0">
+                        <a:effectLst/>
+                        <a:hlinkClick r:id="rId4"/>
+                      </a:endParaRPr>
+                    </a:p>
+                    <a:p>
+                      <a:pPr marL="0" marR="0">
+                        <a:lnSpc>
+                          <a:spcPct val="107000"/>
+                        </a:lnSpc>
+                        <a:spcBef>
+                          <a:spcPts val="0"/>
+                        </a:spcBef>
+                        <a:spcAft>
+                          <a:spcPts val="0"/>
+                        </a:spcAft>
+                      </a:pPr>
+                      <a:r>
+                        <a:rPr lang="en-US" sz="1100" u="sng" dirty="0">
+                          <a:effectLst/>
+                          <a:hlinkClick r:id="rId4"/>
+                        </a:rPr>
+                        <a:t>https://towardsdatascience.com/automatically-summarize-trumps-state-of-the-union-address-6757c6af6534</a:t>
+                      </a:r>
+                      <a:endParaRPr lang="en-US" sz="1100" dirty="0">
+                        <a:effectLst/>
+                      </a:endParaRPr>
+                    </a:p>
+                    <a:p>
+                      <a:pPr marL="0" marR="0">
+                        <a:lnSpc>
+                          <a:spcPct val="107000"/>
+                        </a:lnSpc>
+                        <a:spcBef>
+                          <a:spcPts val="0"/>
+                        </a:spcBef>
+                        <a:spcAft>
+                          <a:spcPts val="0"/>
+                        </a:spcAft>
+                      </a:pPr>
+                      <a:r>
+                        <a:rPr lang="en-US" sz="1100" dirty="0">
+                          <a:effectLst/>
+                        </a:rPr>
+                        <a:t> </a:t>
+                      </a:r>
+                      <a:endParaRPr lang="en-US" sz="1100" dirty="0">
+                        <a:effectLst/>
+                        <a:latin typeface="Calibri" panose="020F0502020204030204" pitchFamily="34" charset="0"/>
+                        <a:ea typeface="Calibri" panose="020F0502020204030204" pitchFamily="34" charset="0"/>
+                        <a:cs typeface="Times New Roman" panose="02020603050405020304" pitchFamily="18" charset="0"/>
+                      </a:endParaRPr>
+                    </a:p>
+                  </a:txBody>
+                  <a:tcPr marL="68580" marR="68580" marT="0" marB="0"/>
+                </a:tc>
+                <a:extLst>
+                  <a:ext uri="{0D108BD9-81ED-4DB2-BD59-A6C34878D82A}">
+                    <a16:rowId xmlns:a16="http://schemas.microsoft.com/office/drawing/2014/main" val="888521623"/>
+                  </a:ext>
+                </a:extLst>
+              </a:tr>
+              <a:tr h="0">
+                <a:tc>
+                  <a:txBody>
+                    <a:bodyPr/>
+                    <a:lstStyle/>
+                    <a:p>
+                      <a:pPr marL="0" marR="0">
+                        <a:lnSpc>
+                          <a:spcPct val="107000"/>
+                        </a:lnSpc>
+                        <a:spcBef>
+                          <a:spcPts val="0"/>
+                        </a:spcBef>
+                        <a:spcAft>
+                          <a:spcPts val="0"/>
+                        </a:spcAft>
+                      </a:pPr>
+                      <a:r>
+                        <a:rPr lang="en-US" sz="1100" u="sng" dirty="0">
+                          <a:effectLst/>
+                          <a:hlinkClick r:id="rId5"/>
+                        </a:rPr>
+                        <a:t>https://medium.com/jatana/unsupervised-text-summarization-using-sentence-embeddings-adb15ce83db1</a:t>
+                      </a:r>
+                      <a:endParaRPr lang="en-US" sz="1100" dirty="0">
+                        <a:effectLst/>
+                      </a:endParaRPr>
+                    </a:p>
+                    <a:p>
+                      <a:pPr marL="0" marR="0">
+                        <a:lnSpc>
+                          <a:spcPct val="107000"/>
+                        </a:lnSpc>
+                        <a:spcBef>
+                          <a:spcPts val="0"/>
+                        </a:spcBef>
+                        <a:spcAft>
+                          <a:spcPts val="0"/>
+                        </a:spcAft>
+                      </a:pPr>
+                      <a:r>
+                        <a:rPr lang="en-US" sz="1100" dirty="0">
+                          <a:effectLst/>
+                        </a:rPr>
+                        <a:t> </a:t>
+                      </a:r>
+                      <a:endParaRPr lang="en-US" sz="1100" dirty="0">
+                        <a:effectLst/>
+                        <a:latin typeface="Calibri" panose="020F0502020204030204" pitchFamily="34" charset="0"/>
+                        <a:ea typeface="Calibri" panose="020F0502020204030204" pitchFamily="34" charset="0"/>
+                        <a:cs typeface="Times New Roman" panose="02020603050405020304" pitchFamily="18" charset="0"/>
+                      </a:endParaRPr>
+                    </a:p>
+                  </a:txBody>
+                  <a:tcPr marL="68580" marR="68580" marT="0" marB="0"/>
+                </a:tc>
+                <a:extLst>
+                  <a:ext uri="{0D108BD9-81ED-4DB2-BD59-A6C34878D82A}">
+                    <a16:rowId xmlns:a16="http://schemas.microsoft.com/office/drawing/2014/main" val="81126828"/>
+                  </a:ext>
+                </a:extLst>
+              </a:tr>
+              <a:tr h="0">
+                <a:tc>
+                  <a:txBody>
+                    <a:bodyPr/>
+                    <a:lstStyle/>
+                    <a:p>
+                      <a:pPr marL="0" marR="0">
+                        <a:lnSpc>
+                          <a:spcPct val="107000"/>
+                        </a:lnSpc>
+                        <a:spcBef>
+                          <a:spcPts val="0"/>
+                        </a:spcBef>
+                        <a:spcAft>
+                          <a:spcPts val="0"/>
+                        </a:spcAft>
+                      </a:pPr>
+                      <a:r>
+                        <a:rPr lang="en-US" sz="1100" u="sng" dirty="0">
+                          <a:effectLst/>
+                          <a:hlinkClick r:id="rId6"/>
+                        </a:rPr>
+                        <a:t>https://www.aclweb.org/anthology/J05-3002</a:t>
+                      </a:r>
+                      <a:endParaRPr lang="en-US" sz="1100" dirty="0">
+                        <a:effectLst/>
+                      </a:endParaRPr>
+                    </a:p>
+                    <a:p>
+                      <a:pPr marL="0" marR="0">
+                        <a:lnSpc>
+                          <a:spcPct val="107000"/>
+                        </a:lnSpc>
+                        <a:spcBef>
+                          <a:spcPts val="0"/>
+                        </a:spcBef>
+                        <a:spcAft>
+                          <a:spcPts val="0"/>
+                        </a:spcAft>
+                      </a:pPr>
+                      <a:r>
+                        <a:rPr lang="en-US" sz="1100" dirty="0">
+                          <a:effectLst/>
+                        </a:rPr>
+                        <a:t> </a:t>
+                      </a:r>
+                      <a:endParaRPr lang="en-US" sz="1100" dirty="0">
+                        <a:effectLst/>
+                        <a:latin typeface="Calibri" panose="020F0502020204030204" pitchFamily="34" charset="0"/>
+                        <a:ea typeface="Calibri" panose="020F0502020204030204" pitchFamily="34" charset="0"/>
+                        <a:cs typeface="Times New Roman" panose="02020603050405020304" pitchFamily="18" charset="0"/>
+                      </a:endParaRPr>
+                    </a:p>
+                  </a:txBody>
+                  <a:tcPr marL="68580" marR="68580" marT="0" marB="0"/>
+                </a:tc>
+                <a:extLst>
+                  <a:ext uri="{0D108BD9-81ED-4DB2-BD59-A6C34878D82A}">
+                    <a16:rowId xmlns:a16="http://schemas.microsoft.com/office/drawing/2014/main" val="1087204754"/>
+                  </a:ext>
+                </a:extLst>
+              </a:tr>
+              <a:tr h="0">
+                <a:tc>
+                  <a:txBody>
+                    <a:bodyPr/>
+                    <a:lstStyle/>
+                    <a:p>
+                      <a:pPr marL="0" marR="0">
+                        <a:lnSpc>
+                          <a:spcPct val="107000"/>
+                        </a:lnSpc>
+                        <a:spcBef>
+                          <a:spcPts val="0"/>
+                        </a:spcBef>
+                        <a:spcAft>
+                          <a:spcPts val="0"/>
+                        </a:spcAft>
+                      </a:pPr>
+                      <a:r>
+                        <a:rPr lang="en-US" sz="1100" u="sng" dirty="0">
+                          <a:solidFill>
+                            <a:schemeClr val="accent1"/>
+                          </a:solidFill>
+                          <a:effectLst/>
+                          <a:hlinkClick r:id="rId7">
+                            <a:extLst>
+                              <a:ext uri="{A12FA001-AC4F-418D-AE19-62706E023703}">
+                                <ahyp:hlinkClr xmlns:ahyp="http://schemas.microsoft.com/office/drawing/2018/hyperlinkcolor" val="tx"/>
+                              </a:ext>
+                            </a:extLst>
+                          </a:hlinkClick>
+                        </a:rPr>
+                        <a:t>https://arxiv.org/pdf/1807.08000.pdf</a:t>
+                      </a:r>
+                      <a:endParaRPr lang="en-US" sz="1100" u="sng" dirty="0">
+                        <a:solidFill>
+                          <a:schemeClr val="accent1"/>
+                        </a:solidFill>
+                        <a:effectLst/>
+                      </a:endParaRPr>
+                    </a:p>
+                    <a:p>
+                      <a:pPr marL="0" marR="0">
+                        <a:lnSpc>
+                          <a:spcPct val="107000"/>
+                        </a:lnSpc>
+                        <a:spcBef>
+                          <a:spcPts val="0"/>
+                        </a:spcBef>
+                        <a:spcAft>
+                          <a:spcPts val="0"/>
+                        </a:spcAft>
+                      </a:pPr>
+                      <a:endParaRPr lang="en-US" sz="1100" u="sng" dirty="0">
+                        <a:effectLst/>
+                      </a:endParaRPr>
+                    </a:p>
+                    <a:p>
+                      <a:pPr marL="0" marR="0">
+                        <a:lnSpc>
+                          <a:spcPct val="107000"/>
+                        </a:lnSpc>
+                        <a:spcBef>
+                          <a:spcPts val="0"/>
+                        </a:spcBef>
+                        <a:spcAft>
+                          <a:spcPts val="0"/>
+                        </a:spcAft>
+                      </a:pPr>
+                      <a:r>
+                        <a:rPr lang="en-US" sz="1100" b="0" u="none" dirty="0">
+                          <a:effectLst/>
+                        </a:rPr>
+                        <a:t>Natural Language Processing with TensorFlow –</a:t>
+                      </a:r>
+                      <a:r>
+                        <a:rPr lang="en-US" sz="1100" b="0" u="none" dirty="0" err="1">
+                          <a:effectLst/>
+                        </a:rPr>
+                        <a:t>Thushan</a:t>
+                      </a:r>
+                      <a:r>
+                        <a:rPr lang="en-US" sz="1100" b="0" u="none" dirty="0">
+                          <a:effectLst/>
+                        </a:rPr>
+                        <a:t> </a:t>
+                      </a:r>
+                      <a:r>
+                        <a:rPr lang="en-US" sz="1100" b="0" u="none" dirty="0" err="1">
+                          <a:effectLst/>
+                        </a:rPr>
+                        <a:t>Ganegedara</a:t>
+                      </a:r>
+                      <a:endParaRPr lang="en-US" sz="1100" b="0" u="none" dirty="0">
+                        <a:effectLst/>
+                      </a:endParaRPr>
+                    </a:p>
+                    <a:p>
+                      <a:pPr marL="0" marR="0">
+                        <a:lnSpc>
+                          <a:spcPct val="107000"/>
+                        </a:lnSpc>
+                        <a:spcBef>
+                          <a:spcPts val="0"/>
+                        </a:spcBef>
+                        <a:spcAft>
+                          <a:spcPts val="0"/>
+                        </a:spcAft>
+                      </a:pPr>
+                      <a:r>
+                        <a:rPr lang="en-US" sz="1100" u="none" strike="noStrike" dirty="0">
+                          <a:effectLst/>
+                        </a:rPr>
+                        <a:t> </a:t>
+                      </a:r>
+                      <a:endParaRPr lang="en-US" sz="1100" dirty="0">
+                        <a:effectLst/>
+                        <a:latin typeface="Calibri" panose="020F0502020204030204" pitchFamily="34" charset="0"/>
+                        <a:ea typeface="Calibri" panose="020F0502020204030204" pitchFamily="34" charset="0"/>
+                        <a:cs typeface="Times New Roman" panose="02020603050405020304" pitchFamily="18" charset="0"/>
+                      </a:endParaRPr>
+                    </a:p>
+                  </a:txBody>
+                  <a:tcPr marL="68580" marR="68580" marT="0" marB="0"/>
+                </a:tc>
+                <a:extLst>
+                  <a:ext uri="{0D108BD9-81ED-4DB2-BD59-A6C34878D82A}">
+                    <a16:rowId xmlns:a16="http://schemas.microsoft.com/office/drawing/2014/main" val="2795068673"/>
+                  </a:ext>
+                </a:extLst>
+              </a:tr>
+            </a:tbl>
+          </a:graphicData>
+        </a:graphic>
+      </p:graphicFrame>
     </p:spTree>
     <p:extLst>
       <p:ext uri="{BB962C8B-B14F-4D97-AF65-F5344CB8AC3E}">
@@ -20641,7 +23894,7 @@
 </p:sld>
 </file>
 
-<file path=ppt/slides/slide12.xml><?xml version="1.0" encoding="utf-8"?>
+<file path=ppt/slides/slide13.xml><?xml version="1.0" encoding="utf-8"?>
 <p:sld xmlns:a="http://schemas.openxmlformats.org/drawingml/2006/main" xmlns:r="http://schemas.openxmlformats.org/officeDocument/2006/relationships" xmlns:p="http://schemas.openxmlformats.org/presentationml/2006/main">
   <p:cSld>
     <p:bg>
@@ -20939,7 +24192,7 @@
           <a:p>
             <a:fld id="{FF9D8ABB-2E68-47E4-9561-6AD973F286EF}" type="datetime2">
               <a:rPr lang="en-US" smtClean="0"/>
-              <a:t>Thursday, July 18, 2019</a:t>
+              <a:t>Thursday, August 15, 2019</a:t>
             </a:fld>
             <a:endParaRPr lang="en-US"/>
           </a:p>
@@ -21005,7 +24258,7 @@
             </a:pPr>
             <a:fld id="{00000000-1234-1234-1234-123412341234}" type="slidenum">
               <a:rPr lang="en" smtClean="0"/>
-              <a:t>12</a:t>
+              <a:t>13</a:t>
             </a:fld>
             <a:endParaRPr lang="en"/>
           </a:p>
@@ -21019,7 +24272,7 @@
 </p:sld>
 </file>
 
-<file path=ppt/slides/slide13.xml><?xml version="1.0" encoding="utf-8"?>
+<file path=ppt/slides/slide14.xml><?xml version="1.0" encoding="utf-8"?>
 <p:sld xmlns:a="http://schemas.openxmlformats.org/drawingml/2006/main" xmlns:r="http://schemas.openxmlformats.org/officeDocument/2006/relationships" xmlns:p="http://schemas.openxmlformats.org/presentationml/2006/main">
   <p:cSld>
     <p:bg>
@@ -21328,7 +24581,7 @@
           <a:p>
             <a:fld id="{1327805B-078F-4F1F-A49B-480B870B7E84}" type="datetime2">
               <a:rPr lang="en-US" smtClean="0"/>
-              <a:t>Thursday, July 18, 2019</a:t>
+              <a:t>Thursday, August 15, 2019</a:t>
             </a:fld>
             <a:endParaRPr lang="en-US"/>
           </a:p>
@@ -21394,7 +24647,7 @@
             </a:pPr>
             <a:fld id="{00000000-1234-1234-1234-123412341234}" type="slidenum">
               <a:rPr lang="en" smtClean="0"/>
-              <a:t>13</a:t>
+              <a:t>14</a:t>
             </a:fld>
             <a:endParaRPr lang="en"/>
           </a:p>
@@ -21408,7 +24661,7 @@
 </p:sld>
 </file>
 
-<file path=ppt/slides/slide14.xml><?xml version="1.0" encoding="utf-8"?>
+<file path=ppt/slides/slide15.xml><?xml version="1.0" encoding="utf-8"?>
 <p:sld xmlns:a="http://schemas.openxmlformats.org/drawingml/2006/main" xmlns:r="http://schemas.openxmlformats.org/officeDocument/2006/relationships" xmlns:p="http://schemas.openxmlformats.org/presentationml/2006/main">
   <p:cSld>
     <p:bg>
@@ -21736,7 +24989,7 @@
           <a:p>
             <a:fld id="{0A628529-ADA8-47DC-AE06-68C701E5FD5C}" type="datetime2">
               <a:rPr lang="en-US" smtClean="0"/>
-              <a:t>Thursday, July 18, 2019</a:t>
+              <a:t>Thursday, August 15, 2019</a:t>
             </a:fld>
             <a:endParaRPr lang="en-US"/>
           </a:p>
@@ -21802,7 +25055,7 @@
             </a:pPr>
             <a:fld id="{00000000-1234-1234-1234-123412341234}" type="slidenum">
               <a:rPr lang="en" smtClean="0"/>
-              <a:t>14</a:t>
+              <a:t>15</a:t>
             </a:fld>
             <a:endParaRPr lang="en"/>
           </a:p>
@@ -21816,7 +25069,7 @@
 </p:sld>
 </file>
 
-<file path=ppt/slides/slide15.xml><?xml version="1.0" encoding="utf-8"?>
+<file path=ppt/slides/slide16.xml><?xml version="1.0" encoding="utf-8"?>
 <p:sld xmlns:a="http://schemas.openxmlformats.org/drawingml/2006/main" xmlns:r="http://schemas.openxmlformats.org/officeDocument/2006/relationships" xmlns:p="http://schemas.openxmlformats.org/presentationml/2006/main">
   <p:cSld>
     <p:bg>
@@ -22177,7 +25430,7 @@
           <a:p>
             <a:fld id="{C1DE62AA-3F1E-4222-87F3-AFB92CA4D09A}" type="datetime2">
               <a:rPr lang="en-US" smtClean="0"/>
-              <a:t>Thursday, July 18, 2019</a:t>
+              <a:t>Thursday, August 15, 2019</a:t>
             </a:fld>
             <a:endParaRPr lang="en-US"/>
           </a:p>
@@ -22243,7 +25496,7 @@
             </a:pPr>
             <a:fld id="{00000000-1234-1234-1234-123412341234}" type="slidenum">
               <a:rPr lang="en" smtClean="0"/>
-              <a:t>15</a:t>
+              <a:t>16</a:t>
             </a:fld>
             <a:endParaRPr lang="en"/>
           </a:p>
@@ -23094,7 +26347,7 @@
           <a:p>
             <a:fld id="{783275F4-F77A-4FFF-9D3E-51091DF33B9A}" type="datetime2">
               <a:rPr lang="en-US" smtClean="0"/>
-              <a:t>Thursday, July 18, 2019</a:t>
+              <a:t>Thursday, August 15, 2019</a:t>
             </a:fld>
             <a:endParaRPr lang="en-US"/>
           </a:p>
@@ -23726,7 +26979,7 @@
           <a:p>
             <a:fld id="{02B8DB7F-6569-4872-AB14-D15DE2DCC52C}" type="datetime2">
               <a:rPr lang="en-US" smtClean="0"/>
-              <a:t>Thursday, July 18, 2019</a:t>
+              <a:t>Thursday, August 15, 2019</a:t>
             </a:fld>
             <a:endParaRPr lang="en-US"/>
           </a:p>
@@ -24786,7 +28039,7 @@
           <a:p>
             <a:fld id="{01102788-7FE9-497B-9800-2FA28DD94441}" type="datetime2">
               <a:rPr lang="en-US" smtClean="0"/>
-              <a:t>Thursday, July 18, 2019</a:t>
+              <a:t>Thursday, August 15, 2019</a:t>
             </a:fld>
             <a:endParaRPr lang="en-US"/>
           </a:p>
@@ -25054,94 +28307,93 @@
           </a:bodyPr>
           <a:lstStyle/>
           <a:p>
-            <a:pPr marL="177800" lvl="0" indent="-171450" algn="l" rtl="0">
+            <a:pPr marL="177800" lvl="0" indent="-171450">
               <a:lnSpc>
                 <a:spcPct val="80000"/>
               </a:lnSpc>
               <a:spcBef>
                 <a:spcPts val="0"/>
               </a:spcBef>
-              <a:spcAft>
-                <a:spcPts val="0"/>
-              </a:spcAft>
-              <a:buClr>
-                <a:schemeClr val="dk1"/>
-              </a:buClr>
               <a:buSzPts val="1500"/>
-              <a:buChar char="•"/>
             </a:pPr>
             <a:r>
-              <a:rPr lang="en" sz="1500" dirty="0"/>
-              <a:t>First tokenize and remove stop words.</a:t>
+              <a:rPr lang="en-US" sz="1500" dirty="0"/>
+              <a:t>Convert Paragraphs to Sentences</a:t>
             </a:r>
-            <a:endParaRPr sz="1100" dirty="0"/>
           </a:p>
           <a:p>
-            <a:pPr marL="177800" lvl="0" indent="-171450" algn="l" rtl="0">
+            <a:pPr marL="177800" lvl="0" indent="-171450">
               <a:lnSpc>
                 <a:spcPct val="80000"/>
               </a:lnSpc>
               <a:spcBef>
-                <a:spcPts val="800"/>
-              </a:spcBef>
-              <a:spcAft>
-                <a:spcPts val="0"/>
-              </a:spcAft>
-              <a:buClr>
-                <a:schemeClr val="dk1"/>
-              </a:buClr>
+                <a:spcPts val="0"/>
+              </a:spcBef>
               <a:buSzPts val="1500"/>
-              <a:buChar char="•"/>
             </a:pPr>
             <a:r>
-              <a:rPr lang="en" sz="1500" dirty="0"/>
-              <a:t>The algorithm goes through every word in each sentence and adds it to a word frequencies dictionary - if it's not already there the word gets assigned a value of 1, and if it is already there that value is incremented up by 1, and then finally all of these values are divided by the quantity of the most frequently occurring word in the documents, to get normalized weights for all the words.</a:t>
+              <a:rPr lang="en-US" sz="1500" dirty="0"/>
+              <a:t>Text Preprocessing</a:t>
             </a:r>
-            <a:endParaRPr sz="1100" dirty="0"/>
           </a:p>
           <a:p>
-            <a:pPr marL="177800" lvl="0" indent="-171450" algn="l" rtl="0">
+            <a:pPr marL="177800" lvl="0" indent="-171450">
               <a:lnSpc>
                 <a:spcPct val="80000"/>
               </a:lnSpc>
               <a:spcBef>
-                <a:spcPts val="800"/>
-              </a:spcBef>
-              <a:spcAft>
-                <a:spcPts val="0"/>
-              </a:spcAft>
-              <a:buClr>
-                <a:schemeClr val="dk1"/>
-              </a:buClr>
+                <a:spcPts val="0"/>
+              </a:spcBef>
               <a:buSzPts val="1500"/>
-              <a:buChar char="•"/>
             </a:pPr>
             <a:r>
-              <a:rPr lang="en" sz="1500" dirty="0"/>
-              <a:t>With these frequency values for all the words in the document, each sentence (if it has less than 30 words total, to avoid having very long sentences in the summary output) gets a score from the sum of all the weighted frequency values of the words in it, not including stop words.</a:t>
+              <a:rPr lang="en-US" sz="1500" dirty="0"/>
+              <a:t>Tokenizing the Sentences</a:t>
             </a:r>
-            <a:endParaRPr sz="1100" dirty="0"/>
           </a:p>
           <a:p>
-            <a:pPr marL="177800" lvl="0" indent="-171450" algn="l" rtl="0">
+            <a:pPr marL="177800" lvl="0" indent="-171450">
               <a:lnSpc>
                 <a:spcPct val="80000"/>
               </a:lnSpc>
               <a:spcBef>
-                <a:spcPts val="800"/>
-              </a:spcBef>
-              <a:spcAft>
-                <a:spcPts val="0"/>
-              </a:spcAft>
-              <a:buClr>
-                <a:schemeClr val="dk1"/>
-              </a:buClr>
+                <a:spcPts val="0"/>
+              </a:spcBef>
               <a:buSzPts val="1500"/>
-              <a:buChar char="•"/>
             </a:pPr>
             <a:r>
-              <a:rPr lang="en" sz="1500" dirty="0"/>
-              <a:t>The top sentences from this ranking are chosen for the extractive summarization output.</a:t>
+              <a:rPr lang="en-US" sz="1500" dirty="0"/>
+              <a:t>Find Weighted Frequency of Occurrence</a:t>
+            </a:r>
+          </a:p>
+          <a:p>
+            <a:pPr marL="177800" lvl="0" indent="-171450">
+              <a:lnSpc>
+                <a:spcPct val="80000"/>
+              </a:lnSpc>
+              <a:spcBef>
+                <a:spcPts val="0"/>
+              </a:spcBef>
+              <a:buSzPts val="1500"/>
+            </a:pPr>
+            <a:r>
+              <a:rPr lang="en-US" sz="1500" dirty="0"/>
+              <a:t>Replace Words by Weighted Frequency in Original Sentences</a:t>
+            </a:r>
+          </a:p>
+          <a:p>
+            <a:pPr marL="177800" lvl="0" indent="-171450">
+              <a:lnSpc>
+                <a:spcPct val="80000"/>
+              </a:lnSpc>
+              <a:spcBef>
+                <a:spcPts val="0"/>
+              </a:spcBef>
+              <a:buSzPts val="1500"/>
+            </a:pPr>
+            <a:r>
+              <a:rPr lang="en-US" sz="1500" dirty="0"/>
+              <a:t>Sort Sentences in Descending Order of Sum</a:t>
             </a:r>
             <a:br>
               <a:rPr lang="en" sz="1500" dirty="0"/>
@@ -25173,7 +28425,7 @@
           <a:p>
             <a:fld id="{24228A52-50A0-4B6F-8479-1B937357018C}" type="datetime2">
               <a:rPr lang="en-US" smtClean="0"/>
-              <a:t>Thursday, July 18, 2019</a:t>
+              <a:t>Thursday, August 15, 2019</a:t>
             </a:fld>
             <a:endParaRPr lang="en-US"/>
           </a:p>
@@ -25529,7 +28781,7 @@
           <a:p>
             <a:fld id="{E221F104-6FCC-4142-BA2A-F78B25C04349}" type="datetime2">
               <a:rPr lang="en-US" smtClean="0"/>
-              <a:t>Thursday, July 18, 2019</a:t>
+              <a:t>Thursday, August 15, 2019</a:t>
             </a:fld>
             <a:endParaRPr lang="en-US"/>
           </a:p>
@@ -25664,7 +28916,7 @@
               </a:spcAft>
               <a:buNone/>
             </a:pPr>
-            <a:endParaRPr sz="1400" b="0" i="0" u="none" strike="noStrike" cap="none">
+            <a:endParaRPr sz="1400" b="0" i="0" u="none" strike="noStrike" cap="none" dirty="0">
               <a:solidFill>
                 <a:schemeClr val="lt1"/>
               </a:solidFill>
@@ -25875,7 +29127,7 @@
           <a:p>
             <a:fld id="{447A9140-1D85-4324-B80E-27735AD1EE77}" type="datetime2">
               <a:rPr lang="en-US" smtClean="0"/>
-              <a:t>Thursday, July 18, 2019</a:t>
+              <a:t>Thursday, August 15, 2019</a:t>
             </a:fld>
             <a:endParaRPr lang="en-US"/>
           </a:p>
@@ -26361,7 +29613,7 @@
           <a:p>
             <a:fld id="{664B0C13-5659-4D19-BFA4-FB4EFA211455}" type="datetime2">
               <a:rPr lang="en-US" smtClean="0"/>
-              <a:t>Thursday, July 18, 2019</a:t>
+              <a:t>Thursday, August 15, 2019</a:t>
             </a:fld>
             <a:endParaRPr lang="en-US"/>
           </a:p>
@@ -26444,17 +29696,9 @@
 <file path=ppt/slides/slide9.xml><?xml version="1.0" encoding="utf-8"?>
 <p:sld xmlns:a="http://schemas.openxmlformats.org/drawingml/2006/main" xmlns:r="http://schemas.openxmlformats.org/officeDocument/2006/relationships" xmlns:p="http://schemas.openxmlformats.org/presentationml/2006/main">
   <p:cSld>
-    <p:bg>
-      <p:bgPr>
-        <a:solidFill>
-          <a:schemeClr val="lt1"/>
-        </a:solidFill>
-        <a:effectLst/>
-      </p:bgPr>
-    </p:bg>
     <p:spTree>
       <p:nvGrpSpPr>
-        <p:cNvPr id="1" name="Shape 273"/>
+        <p:cNvPr id="1" name="Shape 265"/>
         <p:cNvGrpSpPr/>
         <p:nvPr/>
       </p:nvGrpSpPr>
@@ -26468,21 +29712,21 @@
       </p:grpSpPr>
       <p:sp>
         <p:nvSpPr>
-          <p:cNvPr id="274" name="Google Shape;274;p41"/>
+          <p:cNvPr id="266" name="Google Shape;266;p40"/>
           <p:cNvSpPr/>
           <p:nvPr/>
         </p:nvSpPr>
         <p:spPr>
           <a:xfrm>
             <a:off x="241173" y="240030"/>
-            <a:ext cx="8661654" cy="4574957"/>
+            <a:ext cx="8661600" cy="4574957"/>
           </a:xfrm>
           <a:prstGeom prst="rect">
             <a:avLst/>
           </a:prstGeom>
           <a:solidFill>
             <a:schemeClr val="dk1">
-              <a:alpha val="7843"/>
+              <a:alpha val="7840"/>
             </a:schemeClr>
           </a:solidFill>
           <a:ln>
@@ -26504,7 +29748,7 @@
               </a:spcAft>
               <a:buNone/>
             </a:pPr>
-            <a:endParaRPr sz="1400" b="0" i="0" u="none" strike="noStrike" cap="none">
+            <a:endParaRPr sz="1400" b="0" i="0" u="none" strike="noStrike" cap="none" dirty="0">
               <a:solidFill>
                 <a:schemeClr val="lt1"/>
               </a:solidFill>
@@ -26518,7 +29762,7 @@
       </p:sp>
       <p:sp>
         <p:nvSpPr>
-          <p:cNvPr id="275" name="Google Shape;275;p41"/>
+          <p:cNvPr id="267" name="Google Shape;267;p40"/>
           <p:cNvSpPr txBox="1">
             <a:spLocks noGrp="1"/>
           </p:cNvSpPr>
@@ -26529,7 +29773,7 @@
         <p:spPr>
           <a:xfrm>
             <a:off x="628650" y="722908"/>
-            <a:ext cx="2620771" cy="3697684"/>
+            <a:ext cx="2620800" cy="3697800"/>
           </a:xfrm>
           <a:prstGeom prst="rect">
             <a:avLst/>
@@ -26563,12 +29807,52 @@
               <a:buNone/>
             </a:pPr>
             <a:r>
+              <a:rPr lang="en-US" sz="1800" dirty="0">
+                <a:solidFill>
+                  <a:schemeClr val="accent1"/>
+                </a:solidFill>
+              </a:rPr>
+              <a:t>Using AWS </a:t>
+            </a:r>
+            <a:r>
+              <a:rPr lang="en-US" sz="1800" dirty="0" err="1">
+                <a:solidFill>
+                  <a:schemeClr val="accent1"/>
+                </a:solidFill>
+              </a:rPr>
+              <a:t>SageMaker</a:t>
+            </a:r>
+            <a:r>
+              <a:rPr lang="en-US" sz="1800" dirty="0">
+                <a:solidFill>
+                  <a:schemeClr val="accent1"/>
+                </a:solidFill>
+              </a:rPr>
+              <a:t>- and tuning hyperparameters -</a:t>
+            </a:r>
+            <a:r>
               <a:rPr lang="en" sz="1800" dirty="0">
                 <a:solidFill>
                   <a:schemeClr val="accent1"/>
                 </a:solidFill>
               </a:rPr>
-              <a:t>Conclusion</a:t>
+              <a:t>Results Achieved from 100 </a:t>
+            </a:r>
+            <a:r>
+              <a:rPr lang="en-US" sz="1800" dirty="0">
+                <a:solidFill>
+                  <a:schemeClr val="accent1"/>
+                </a:solidFill>
+              </a:rPr>
+              <a:t>epochs</a:t>
+            </a:r>
+            <a:r>
+              <a:rPr lang="en" sz="1800" dirty="0">
+                <a:solidFill>
+                  <a:schemeClr val="accent1"/>
+                </a:solidFill>
+              </a:rPr>
+              <a:t> – GRU </a:t>
             </a:r>
             <a:endParaRPr sz="1800" dirty="0"/>
           </a:p>
@@ -26576,7 +29860,7 @@
       </p:sp>
       <p:cxnSp>
         <p:nvCxnSpPr>
-          <p:cNvPr id="276" name="Google Shape;276;p41"/>
+          <p:cNvPr id="268" name="Google Shape;268;p40"/>
           <p:cNvCxnSpPr/>
           <p:nvPr/>
         </p:nvCxnSpPr>
@@ -26602,7 +29886,7 @@
       </p:cxnSp>
       <p:sp>
         <p:nvSpPr>
-          <p:cNvPr id="277" name="Google Shape;277;p41"/>
+          <p:cNvPr id="269" name="Google Shape;269;p40"/>
           <p:cNvSpPr txBox="1">
             <a:spLocks noGrp="1"/>
           </p:cNvSpPr>
@@ -26612,8 +29896,8 @@
         </p:nvSpPr>
         <p:spPr>
           <a:xfrm>
-            <a:off x="3732023" y="722908"/>
-            <a:ext cx="4783327" cy="3697684"/>
+            <a:off x="3732025" y="722899"/>
+            <a:ext cx="4783200" cy="3987900"/>
           </a:xfrm>
           <a:prstGeom prst="rect">
             <a:avLst/>
@@ -26629,33 +29913,289 @@
           </a:bodyPr>
           <a:lstStyle/>
           <a:p>
-            <a:pPr marL="0" lvl="0" indent="0" algn="l" rtl="0">
-              <a:spcBef>
-                <a:spcPts val="1000"/>
-              </a:spcBef>
-              <a:spcAft>
-                <a:spcPts val="0"/>
-              </a:spcAft>
-              <a:buClr>
-                <a:schemeClr val="dk1"/>
-              </a:buClr>
-              <a:buSzPts val="1100"/>
-              <a:buFont typeface="Arial"/>
+            <a:pPr marL="0" lvl="0" indent="0">
+              <a:buSzPts val="1100"/>
               <a:buNone/>
             </a:pPr>
-            <a:endParaRPr sz="1800" dirty="0"/>
+            <a:r>
+              <a:rPr lang="en-US" sz="1100" dirty="0"/>
+              <a:t>and to be proud fort  god </a:t>
+            </a:r>
+            <a:r>
+              <a:rPr lang="en-US" sz="1100" dirty="0" err="1"/>
+              <a:t>blessedou</a:t>
+            </a:r>
+            <a:r>
+              <a:rPr lang="en-US" sz="1100" dirty="0"/>
+              <a:t>, </a:t>
+            </a:r>
+            <a:r>
+              <a:rPr lang="en-US" sz="1100" dirty="0" err="1"/>
+              <a:t>fo</a:t>
+            </a:r>
+            <a:r>
+              <a:rPr lang="en-US" sz="1100" dirty="0"/>
+              <a:t>  today great all no war. </a:t>
+            </a:r>
+            <a:r>
+              <a:rPr lang="en-US" sz="1100" dirty="0" err="1"/>
+              <a:t>america</a:t>
+            </a:r>
+            <a:r>
+              <a:rPr lang="en-US" sz="1100" dirty="0"/>
+              <a:t>. we must be never your along birth right, of must </a:t>
+            </a:r>
+            <a:r>
+              <a:rPr lang="en-US" sz="1100" dirty="0" err="1"/>
+              <a:t>beyo</a:t>
+            </a:r>
+            <a:r>
+              <a:rPr lang="en-US" sz="1100" dirty="0"/>
+              <a:t> the day of prosper again.</a:t>
+            </a:r>
           </a:p>
           <a:p>
-            <a:pPr marL="0" lvl="0" indent="0" algn="l" rtl="0">
-              <a:spcBef>
-                <a:spcPts val="1000"/>
-              </a:spcBef>
-              <a:spcAft>
-                <a:spcPts val="0"/>
-              </a:spcAft>
+            <a:pPr marL="0" lvl="0" indent="0">
+              <a:buSzPts val="1100"/>
               <a:buNone/>
             </a:pPr>
-            <a:endParaRPr sz="1800" dirty="0"/>
+            <a:r>
+              <a:rPr lang="en-US" sz="1100" dirty="0"/>
+              <a:t>its </a:t>
+            </a:r>
+            <a:r>
+              <a:rPr lang="en-US" sz="1100" dirty="0" err="1"/>
+              <a:t>neartion</a:t>
+            </a:r>
+            <a:r>
+              <a:rPr lang="en-US" sz="1100" dirty="0"/>
+              <a:t> and every. we cannot not turn by the same </a:t>
+            </a:r>
+            <a:r>
+              <a:rPr lang="en-US" sz="1100" dirty="0" err="1"/>
+              <a:t>fard</a:t>
+            </a:r>
+            <a:r>
+              <a:rPr lang="en-US" sz="1100" dirty="0"/>
+              <a:t> the problems, we cannot our </a:t>
+            </a:r>
+            <a:r>
+              <a:rPr lang="en-US" sz="1100" dirty="0" err="1"/>
+              <a:t>counity</a:t>
+            </a:r>
+            <a:r>
+              <a:rPr lang="en-US" sz="1100" dirty="0"/>
+              <a:t>, letter, and our not only the issue to their </a:t>
+            </a:r>
+            <a:r>
+              <a:rPr lang="en-US" sz="1100" dirty="0" err="1"/>
+              <a:t>areat's</a:t>
+            </a:r>
+            <a:r>
+              <a:rPr lang="en-US" sz="1100" dirty="0"/>
+              <a:t> </a:t>
+            </a:r>
+            <a:r>
+              <a:rPr lang="en-US" sz="1100" dirty="0" err="1"/>
+              <a:t>tho</a:t>
+            </a:r>
+            <a:r>
+              <a:rPr lang="en-US" sz="1100" dirty="0"/>
+              <a:t> dream.</a:t>
+            </a:r>
+          </a:p>
+          <a:p>
+            <a:pPr marL="0" lvl="0" indent="0">
+              <a:buSzPts val="1100"/>
+              <a:buNone/>
+            </a:pPr>
+            <a:r>
+              <a:rPr lang="en-US" sz="1100" dirty="0"/>
+              <a:t>that if on </a:t>
+            </a:r>
+            <a:r>
+              <a:rPr lang="en-US" sz="1100" dirty="0" err="1"/>
+              <a:t>mericanswer</a:t>
+            </a:r>
+            <a:r>
+              <a:rPr lang="en-US" sz="1100" dirty="0"/>
+              <a:t>. </a:t>
+            </a:r>
+            <a:r>
+              <a:rPr lang="en-US" sz="1100" dirty="0" err="1"/>
+              <a:t>nower</a:t>
+            </a:r>
+            <a:r>
+              <a:rPr lang="en-US" sz="1100" dirty="0"/>
+              <a:t> to he </a:t>
+            </a:r>
+            <a:r>
+              <a:rPr lang="en-US" sz="1100" dirty="0" err="1"/>
+              <a:t>hastolera</a:t>
+            </a:r>
+            <a:r>
+              <a:rPr lang="en-US" sz="1100" dirty="0"/>
+              <a:t> as a common the </a:t>
+            </a:r>
+            <a:r>
+              <a:rPr lang="en-US" sz="1100" dirty="0" err="1"/>
+              <a:t>capities</a:t>
+            </a:r>
+            <a:r>
+              <a:rPr lang="en-US" sz="1100" dirty="0"/>
+              <a:t> has </a:t>
+            </a:r>
+            <a:r>
+              <a:rPr lang="en-US" sz="1100" dirty="0" err="1"/>
+              <a:t>firsn</a:t>
+            </a:r>
+            <a:r>
+              <a:rPr lang="en-US" sz="1100" dirty="0"/>
+              <a:t> live or the size of our own most with the </a:t>
+            </a:r>
+            <a:r>
+              <a:rPr lang="en-US" sz="1100" dirty="0" err="1"/>
+              <a:t>willengery</a:t>
+            </a:r>
+            <a:r>
+              <a:rPr lang="en-US" sz="1100" dirty="0"/>
+              <a:t> what is our nation with </a:t>
+            </a:r>
+            <a:r>
+              <a:rPr lang="en-US" sz="1100" dirty="0" err="1"/>
+              <a:t>caill</a:t>
+            </a:r>
+            <a:r>
+              <a:rPr lang="en-US" sz="1100" dirty="0"/>
+              <a:t>.</a:t>
+            </a:r>
+          </a:p>
+          <a:p>
+            <a:pPr marL="0" lvl="0" indent="0">
+              <a:buSzPts val="1100"/>
+              <a:buNone/>
+            </a:pPr>
+            <a:r>
+              <a:rPr lang="en-US" sz="1100" dirty="0"/>
+              <a:t>we are the unity, the same </a:t>
+            </a:r>
+            <a:r>
+              <a:rPr lang="en-US" sz="1100" dirty="0" err="1"/>
+              <a:t>doneed</a:t>
+            </a:r>
+            <a:r>
+              <a:rPr lang="en-US" sz="1100" dirty="0"/>
+              <a:t>. we will make </a:t>
+            </a:r>
+            <a:r>
+              <a:rPr lang="en-US" sz="1100" dirty="0" err="1"/>
+              <a:t>america</a:t>
+            </a:r>
+            <a:r>
+              <a:rPr lang="en-US" sz="1100" dirty="0"/>
+              <a:t> great again. </a:t>
+            </a:r>
+            <a:r>
+              <a:rPr lang="en-US" sz="1100" dirty="0" err="1"/>
+              <a:t>thour</a:t>
+            </a:r>
+            <a:r>
+              <a:rPr lang="en-US" sz="1100" dirty="0"/>
+              <a:t> faces to be citizens of the </a:t>
+            </a:r>
+            <a:r>
+              <a:rPr lang="en-US" sz="1100" dirty="0" err="1"/>
+              <a:t>unders</a:t>
+            </a:r>
+            <a:r>
+              <a:rPr lang="en-US" sz="1100" dirty="0"/>
+              <a:t> today, haven we cannot the democracy of life that when the end of old </a:t>
+            </a:r>
+          </a:p>
+          <a:p>
+            <a:pPr marL="0" lvl="0" indent="0">
+              <a:buSzPts val="1100"/>
+              <a:buNone/>
+            </a:pPr>
+            <a:r>
+              <a:rPr lang="en-US" sz="1100" dirty="0" err="1"/>
+              <a:t>american</a:t>
+            </a:r>
+            <a:r>
+              <a:rPr lang="en-US" sz="1100" dirty="0"/>
+              <a:t> people more continuing moral strength and our belief in an </a:t>
+            </a:r>
+            <a:r>
+              <a:rPr lang="en-US" sz="1100" dirty="0" err="1"/>
+              <a:t>undiminis</a:t>
+            </a:r>
+            <a:r>
+              <a:rPr lang="en-US" sz="1100" dirty="0"/>
+              <a:t> the king </a:t>
+            </a:r>
+            <a:r>
+              <a:rPr lang="en-US" sz="1100" dirty="0" err="1"/>
+              <a:t>coment</a:t>
+            </a:r>
+            <a:r>
+              <a:rPr lang="en-US" sz="1100" dirty="0"/>
+              <a:t>, a </a:t>
+            </a:r>
+            <a:r>
+              <a:rPr lang="en-US" sz="1100" dirty="0" err="1"/>
+              <a:t>cessure</a:t>
+            </a:r>
+            <a:r>
+              <a:rPr lang="en-US" sz="1100" dirty="0"/>
+              <a:t> the </a:t>
+            </a:r>
+            <a:r>
+              <a:rPr lang="en-US" sz="1100" dirty="0" err="1"/>
+              <a:t>sameet</a:t>
+            </a:r>
+            <a:r>
+              <a:rPr lang="en-US" sz="1100" dirty="0"/>
+              <a:t> it human flag.</a:t>
+            </a:r>
+          </a:p>
+          <a:p>
+            <a:pPr marL="0" lvl="0" indent="0">
+              <a:buSzPts val="1100"/>
+              <a:buNone/>
+            </a:pPr>
+            <a:r>
+              <a:rPr lang="en-US" sz="1100" dirty="0"/>
+              <a:t>it is the father, as hat we </a:t>
+            </a:r>
+            <a:r>
+              <a:rPr lang="en-US" sz="1100" dirty="0" err="1"/>
+              <a:t>relng</a:t>
+            </a:r>
+            <a:r>
+              <a:rPr lang="en-US" sz="1100" dirty="0"/>
+              <a:t> back in its citizens and does, and our country will be </a:t>
+            </a:r>
+            <a:r>
+              <a:rPr lang="en-US" sz="1100" dirty="0" err="1"/>
+              <a:t>generant</a:t>
+            </a:r>
+            <a:r>
+              <a:rPr lang="en-US" sz="1100" dirty="0"/>
+              <a:t> </a:t>
+            </a:r>
+            <a:r>
+              <a:rPr lang="en-US" sz="1100" dirty="0" err="1"/>
+              <a:t>sto</a:t>
+            </a:r>
+            <a:r>
+              <a:rPr lang="en-US" sz="1100" dirty="0"/>
+              <a:t> serving the source of our nations that we will not be my accomplishment but the affirmatio</a:t>
+            </a:r>
+            <a:r>
+              <a:rPr lang="en" sz="1100" dirty="0"/>
+              <a:t> </a:t>
+            </a:r>
+            <a:endParaRPr sz="1100" dirty="0"/>
           </a:p>
         </p:txBody>
       </p:sp>
@@ -26664,7 +30204,7 @@
           <p:cNvPr id="6" name="Date Placeholder 5">
             <a:extLst>
               <a:ext uri="{FF2B5EF4-FFF2-40B4-BE49-F238E27FC236}">
-                <a16:creationId xmlns:a16="http://schemas.microsoft.com/office/drawing/2014/main" id="{C7FC0069-7D31-4BC4-AC15-547E532074BD}"/>
+                <a16:creationId xmlns:a16="http://schemas.microsoft.com/office/drawing/2014/main" id="{3F8EB4D5-0ECD-4D63-8AB3-E539E7CCE9A0}"/>
               </a:ext>
             </a:extLst>
           </p:cNvPr>
@@ -26680,9 +30220,9 @@
           <a:bodyPr/>
           <a:lstStyle/>
           <a:p>
-            <a:fld id="{34A9969B-49E3-4A7B-8829-484AF0E32894}" type="datetime2">
+            <a:fld id="{664B0C13-5659-4D19-BFA4-FB4EFA211455}" type="datetime2">
               <a:rPr lang="en-US" smtClean="0"/>
-              <a:t>Thursday, July 18, 2019</a:t>
+              <a:t>Thursday, August 15, 2019</a:t>
             </a:fld>
             <a:endParaRPr lang="en-US"/>
           </a:p>
@@ -26693,7 +30233,7 @@
           <p:cNvPr id="7" name="Footer Placeholder 6">
             <a:extLst>
               <a:ext uri="{FF2B5EF4-FFF2-40B4-BE49-F238E27FC236}">
-                <a16:creationId xmlns:a16="http://schemas.microsoft.com/office/drawing/2014/main" id="{9C5DE00A-156A-444B-9DFA-69E277BF1002}"/>
+                <a16:creationId xmlns:a16="http://schemas.microsoft.com/office/drawing/2014/main" id="{F776FF62-C2D4-435F-94E3-D73D0815493A}"/>
               </a:ext>
             </a:extLst>
           </p:cNvPr>
@@ -26721,7 +30261,7 @@
           <p:cNvPr id="8" name="Slide Number Placeholder 7">
             <a:extLst>
               <a:ext uri="{FF2B5EF4-FFF2-40B4-BE49-F238E27FC236}">
-                <a16:creationId xmlns:a16="http://schemas.microsoft.com/office/drawing/2014/main" id="{3E1ABBE0-F9DB-44EE-BFA4-804F88B37B66}"/>
+                <a16:creationId xmlns:a16="http://schemas.microsoft.com/office/drawing/2014/main" id="{D181CC53-3028-4F20-B314-063C8E2A721E}"/>
               </a:ext>
             </a:extLst>
           </p:cNvPr>
@@ -26755,6 +30295,11 @@
         </p:txBody>
       </p:sp>
     </p:spTree>
+    <p:extLst>
+      <p:ext uri="{BB962C8B-B14F-4D97-AF65-F5344CB8AC3E}">
+        <p14:creationId xmlns:p14="http://schemas.microsoft.com/office/powerpoint/2010/main" val="3748360025"/>
+      </p:ext>
+    </p:extLst>
   </p:cSld>
   <p:clrMapOvr>
     <a:masterClrMapping/>
